--- a/LENGTH OF HOSPITAL STAY PREDICTION_9 april.pptx
+++ b/LENGTH OF HOSPITAL STAY PREDICTION_9 april.pptx
@@ -23,9 +23,9 @@
     <p:sldId id="275" r:id="rId17"/>
     <p:sldId id="276" r:id="rId18"/>
     <p:sldId id="266" r:id="rId19"/>
-    <p:sldId id="267" r:id="rId20"/>
-    <p:sldId id="277" r:id="rId21"/>
-    <p:sldId id="278" r:id="rId22"/>
+    <p:sldId id="277" r:id="rId20"/>
+    <p:sldId id="278" r:id="rId21"/>
+    <p:sldId id="267" r:id="rId22"/>
     <p:sldId id="270" r:id="rId23"/>
   </p:sldIdLst>
   <p:sldSz cx="12192000" cy="6858000"/>
@@ -36487,1581 +36487,6 @@
   <p:cSld>
     <p:bg>
       <p:bgPr>
-        <a:solidFill>
-          <a:schemeClr val="bg1"/>
-        </a:solidFill>
-        <a:effectLst/>
-      </p:bgPr>
-    </p:bg>
-    <p:spTree>
-      <p:nvGrpSpPr>
-        <p:cNvPr id="1" name=""/>
-        <p:cNvGrpSpPr/>
-        <p:nvPr/>
-      </p:nvGrpSpPr>
-      <p:grpSpPr>
-        <a:xfrm>
-          <a:off x="0" y="0"/>
-          <a:ext cx="0" cy="0"/>
-          <a:chOff x="0" y="0"/>
-          <a:chExt cx="0" cy="0"/>
-        </a:xfrm>
-      </p:grpSpPr>
-      <p:sp>
-        <p:nvSpPr>
-          <p:cNvPr id="10" name="Rectangle 9">
-            <a:extLst>
-              <a:ext uri="{FF2B5EF4-FFF2-40B4-BE49-F238E27FC236}">
-                <a16:creationId xmlns:a16="http://schemas.microsoft.com/office/drawing/2014/main" id="{4E78424C-6FD0-41F8-9CAA-5DC19C42359F}"/>
-              </a:ext>
-              <a:ext uri="{C183D7F6-B498-43B3-948B-1728B52AA6E4}">
-                <adec:decorative xmlns:adec="http://schemas.microsoft.com/office/drawing/2017/decorative" val="1"/>
-              </a:ext>
-            </a:extLst>
-          </p:cNvPr>
-          <p:cNvSpPr>
-            <a:spLocks noGrp="1" noRot="1" noChangeAspect="1" noMove="1" noResize="1" noEditPoints="1" noAdjustHandles="1" noChangeArrowheads="1" noChangeShapeType="1" noTextEdit="1"/>
-          </p:cNvSpPr>
-          <p:nvPr>
-            <p:extLst>
-              <p:ext uri="{386F3935-93C4-4BCD-93E2-E3B085C9AB24}">
-                <p16:designElem xmlns:p16="http://schemas.microsoft.com/office/powerpoint/2015/main" val="1"/>
-              </p:ext>
-            </p:extLst>
-          </p:nvPr>
-        </p:nvSpPr>
-        <p:spPr>
-          <a:xfrm>
-            <a:off x="0" y="-1"/>
-            <a:ext cx="12192000" cy="6858001"/>
-          </a:xfrm>
-          <a:prstGeom prst="rect">
-            <a:avLst/>
-          </a:prstGeom>
-          <a:ln>
-            <a:noFill/>
-          </a:ln>
-        </p:spPr>
-        <p:style>
-          <a:lnRef idx="2">
-            <a:schemeClr val="accent1">
-              <a:shade val="50000"/>
-            </a:schemeClr>
-          </a:lnRef>
-          <a:fillRef idx="1003">
-            <a:schemeClr val="dk2"/>
-          </a:fillRef>
-          <a:effectRef idx="0">
-            <a:schemeClr val="accent1"/>
-          </a:effectRef>
-          <a:fontRef idx="minor">
-            <a:schemeClr val="lt1"/>
-          </a:fontRef>
-        </p:style>
-        <p:txBody>
-          <a:bodyPr rtlCol="0" anchor="ctr"/>
-          <a:lstStyle/>
-          <a:p>
-            <a:pPr algn="ctr"/>
-            <a:endParaRPr lang="en-US"/>
-          </a:p>
-        </p:txBody>
-      </p:sp>
-      <p:sp>
-        <p:nvSpPr>
-          <p:cNvPr id="2" name="Title 1">
-            <a:extLst>
-              <a:ext uri="{FF2B5EF4-FFF2-40B4-BE49-F238E27FC236}">
-                <a16:creationId xmlns:a16="http://schemas.microsoft.com/office/drawing/2014/main" id="{0F64ED3A-CCD1-4A59-9A6B-6433A3A7FDFE}"/>
-              </a:ext>
-            </a:extLst>
-          </p:cNvPr>
-          <p:cNvSpPr>
-            <a:spLocks noGrp="1"/>
-          </p:cNvSpPr>
-          <p:nvPr>
-            <p:ph type="title"/>
-          </p:nvPr>
-        </p:nvSpPr>
-        <p:spPr>
-          <a:xfrm>
-            <a:off x="643855" y="1447800"/>
-            <a:ext cx="3108626" cy="4572000"/>
-          </a:xfrm>
-        </p:spPr>
-        <p:txBody>
-          <a:bodyPr anchor="ctr">
-            <a:normAutofit/>
-          </a:bodyPr>
-          <a:lstStyle/>
-          <a:p>
-            <a:r>
-              <a:rPr lang="en-US" sz="3200">
-                <a:solidFill>
-                  <a:srgbClr val="F2F2F2"/>
-                </a:solidFill>
-              </a:rPr>
-              <a:t>REFERENCES</a:t>
-            </a:r>
-          </a:p>
-        </p:txBody>
-      </p:sp>
-      <p:sp>
-        <p:nvSpPr>
-          <p:cNvPr id="12" name="Freeform: Shape 11">
-            <a:extLst>
-              <a:ext uri="{FF2B5EF4-FFF2-40B4-BE49-F238E27FC236}">
-                <a16:creationId xmlns:a16="http://schemas.microsoft.com/office/drawing/2014/main" id="{DD136760-57DC-4301-8BEA-B71AD2D13905}"/>
-              </a:ext>
-              <a:ext uri="{C183D7F6-B498-43B3-948B-1728B52AA6E4}">
-                <adec:decorative xmlns:adec="http://schemas.microsoft.com/office/drawing/2017/decorative" val="1"/>
-              </a:ext>
-            </a:extLst>
-          </p:cNvPr>
-          <p:cNvSpPr>
-            <a:spLocks noGrp="1" noRot="1" noChangeAspect="1" noMove="1" noResize="1" noEditPoints="1" noAdjustHandles="1" noChangeArrowheads="1" noChangeShapeType="1" noTextEdit="1"/>
-          </p:cNvSpPr>
-          <p:nvPr>
-            <p:extLst>
-              <p:ext uri="{386F3935-93C4-4BCD-93E2-E3B085C9AB24}">
-                <p16:designElem xmlns:p16="http://schemas.microsoft.com/office/powerpoint/2015/main" val="1"/>
-              </p:ext>
-            </p:extLst>
-          </p:nvPr>
-        </p:nvSpPr>
-        <p:spPr>
-          <a:xfrm>
-            <a:off x="4161310" y="0"/>
-            <a:ext cx="8030690" cy="6858000"/>
-          </a:xfrm>
-          <a:custGeom>
-            <a:avLst/>
-            <a:gdLst>
-              <a:gd name="connsiteX0" fmla="*/ 1176 w 8030690"/>
-              <a:gd name="connsiteY0" fmla="*/ 0 h 6858000"/>
-              <a:gd name="connsiteX1" fmla="*/ 1344715 w 8030690"/>
-              <a:gd name="connsiteY1" fmla="*/ 0 h 6858000"/>
-              <a:gd name="connsiteX2" fmla="*/ 1344715 w 8030690"/>
-              <a:gd name="connsiteY2" fmla="*/ 0 h 6858000"/>
-              <a:gd name="connsiteX3" fmla="*/ 8030690 w 8030690"/>
-              <a:gd name="connsiteY3" fmla="*/ 0 h 6858000"/>
-              <a:gd name="connsiteX4" fmla="*/ 8030690 w 8030690"/>
-              <a:gd name="connsiteY4" fmla="*/ 6858000 h 6858000"/>
-              <a:gd name="connsiteX5" fmla="*/ 477746 w 8030690"/>
-              <a:gd name="connsiteY5" fmla="*/ 6858000 h 6858000"/>
-              <a:gd name="connsiteX6" fmla="*/ 477746 w 8030690"/>
-              <a:gd name="connsiteY6" fmla="*/ 6858000 h 6858000"/>
-              <a:gd name="connsiteX7" fmla="*/ 0 w 8030690"/>
-              <a:gd name="connsiteY7" fmla="*/ 6858000 h 6858000"/>
-              <a:gd name="connsiteX8" fmla="*/ 5883 w 8030690"/>
-              <a:gd name="connsiteY8" fmla="*/ 6817538 h 6858000"/>
-              <a:gd name="connsiteX9" fmla="*/ 23196 w 8030690"/>
-              <a:gd name="connsiteY9" fmla="*/ 6698894 h 6858000"/>
-              <a:gd name="connsiteX10" fmla="*/ 35298 w 8030690"/>
-              <a:gd name="connsiteY10" fmla="*/ 6612483 h 6858000"/>
-              <a:gd name="connsiteX11" fmla="*/ 48073 w 8030690"/>
-              <a:gd name="connsiteY11" fmla="*/ 6509613 h 6858000"/>
-              <a:gd name="connsiteX12" fmla="*/ 63369 w 8030690"/>
-              <a:gd name="connsiteY12" fmla="*/ 6387541 h 6858000"/>
-              <a:gd name="connsiteX13" fmla="*/ 79506 w 8030690"/>
-              <a:gd name="connsiteY13" fmla="*/ 6252438 h 6858000"/>
-              <a:gd name="connsiteX14" fmla="*/ 96483 w 8030690"/>
-              <a:gd name="connsiteY14" fmla="*/ 6100191 h 6858000"/>
-              <a:gd name="connsiteX15" fmla="*/ 114468 w 8030690"/>
-              <a:gd name="connsiteY15" fmla="*/ 5934227 h 6858000"/>
-              <a:gd name="connsiteX16" fmla="*/ 132454 w 8030690"/>
-              <a:gd name="connsiteY16" fmla="*/ 5753862 h 6858000"/>
-              <a:gd name="connsiteX17" fmla="*/ 150775 w 8030690"/>
-              <a:gd name="connsiteY17" fmla="*/ 5561838 h 6858000"/>
-              <a:gd name="connsiteX18" fmla="*/ 167752 w 8030690"/>
-              <a:gd name="connsiteY18" fmla="*/ 5354726 h 6858000"/>
-              <a:gd name="connsiteX19" fmla="*/ 184057 w 8030690"/>
-              <a:gd name="connsiteY19" fmla="*/ 5138013 h 6858000"/>
-              <a:gd name="connsiteX20" fmla="*/ 198849 w 8030690"/>
-              <a:gd name="connsiteY20" fmla="*/ 4908956 h 6858000"/>
-              <a:gd name="connsiteX21" fmla="*/ 212968 w 8030690"/>
-              <a:gd name="connsiteY21" fmla="*/ 4670298 h 6858000"/>
-              <a:gd name="connsiteX22" fmla="*/ 226248 w 8030690"/>
-              <a:gd name="connsiteY22" fmla="*/ 4421352 h 6858000"/>
-              <a:gd name="connsiteX23" fmla="*/ 230954 w 8030690"/>
-              <a:gd name="connsiteY23" fmla="*/ 4293793 h 6858000"/>
-              <a:gd name="connsiteX24" fmla="*/ 236165 w 8030690"/>
-              <a:gd name="connsiteY24" fmla="*/ 4163491 h 6858000"/>
-              <a:gd name="connsiteX25" fmla="*/ 241039 w 8030690"/>
-              <a:gd name="connsiteY25" fmla="*/ 4031132 h 6858000"/>
-              <a:gd name="connsiteX26" fmla="*/ 244233 w 8030690"/>
-              <a:gd name="connsiteY26" fmla="*/ 3898087 h 6858000"/>
-              <a:gd name="connsiteX27" fmla="*/ 247091 w 8030690"/>
-              <a:gd name="connsiteY27" fmla="*/ 3762298 h 6858000"/>
-              <a:gd name="connsiteX28" fmla="*/ 250116 w 8030690"/>
-              <a:gd name="connsiteY28" fmla="*/ 3625138 h 6858000"/>
-              <a:gd name="connsiteX29" fmla="*/ 252133 w 8030690"/>
-              <a:gd name="connsiteY29" fmla="*/ 3485235 h 6858000"/>
-              <a:gd name="connsiteX30" fmla="*/ 252133 w 8030690"/>
-              <a:gd name="connsiteY30" fmla="*/ 3343960 h 6858000"/>
-              <a:gd name="connsiteX31" fmla="*/ 253142 w 8030690"/>
-              <a:gd name="connsiteY31" fmla="*/ 3201314 h 6858000"/>
-              <a:gd name="connsiteX32" fmla="*/ 252133 w 8030690"/>
-              <a:gd name="connsiteY32" fmla="*/ 3057296 h 6858000"/>
-              <a:gd name="connsiteX33" fmla="*/ 250116 w 8030690"/>
-              <a:gd name="connsiteY33" fmla="*/ 2911221 h 6858000"/>
-              <a:gd name="connsiteX34" fmla="*/ 248267 w 8030690"/>
-              <a:gd name="connsiteY34" fmla="*/ 2765145 h 6858000"/>
-              <a:gd name="connsiteX35" fmla="*/ 244233 w 8030690"/>
-              <a:gd name="connsiteY35" fmla="*/ 2617013 h 6858000"/>
-              <a:gd name="connsiteX36" fmla="*/ 240031 w 8030690"/>
-              <a:gd name="connsiteY36" fmla="*/ 2467508 h 6858000"/>
-              <a:gd name="connsiteX37" fmla="*/ 235156 w 8030690"/>
-              <a:gd name="connsiteY37" fmla="*/ 2318004 h 6858000"/>
-              <a:gd name="connsiteX38" fmla="*/ 228265 w 8030690"/>
-              <a:gd name="connsiteY38" fmla="*/ 2167128 h 6858000"/>
-              <a:gd name="connsiteX39" fmla="*/ 220028 w 8030690"/>
-              <a:gd name="connsiteY39" fmla="*/ 2014880 h 6858000"/>
-              <a:gd name="connsiteX40" fmla="*/ 212128 w 8030690"/>
-              <a:gd name="connsiteY40" fmla="*/ 1861947 h 6858000"/>
-              <a:gd name="connsiteX41" fmla="*/ 202043 w 8030690"/>
-              <a:gd name="connsiteY41" fmla="*/ 1709013 h 6858000"/>
-              <a:gd name="connsiteX42" fmla="*/ 189940 w 8030690"/>
-              <a:gd name="connsiteY42" fmla="*/ 1554023 h 6858000"/>
-              <a:gd name="connsiteX43" fmla="*/ 177838 w 8030690"/>
-              <a:gd name="connsiteY43" fmla="*/ 1401089 h 6858000"/>
-              <a:gd name="connsiteX44" fmla="*/ 163886 w 8030690"/>
-              <a:gd name="connsiteY44" fmla="*/ 1245413 h 6858000"/>
-              <a:gd name="connsiteX45" fmla="*/ 148590 w 8030690"/>
-              <a:gd name="connsiteY45" fmla="*/ 1089050 h 6858000"/>
-              <a:gd name="connsiteX46" fmla="*/ 132454 w 8030690"/>
-              <a:gd name="connsiteY46" fmla="*/ 934745 h 6858000"/>
-              <a:gd name="connsiteX47" fmla="*/ 113628 w 8030690"/>
-              <a:gd name="connsiteY47" fmla="*/ 778383 h 6858000"/>
-              <a:gd name="connsiteX48" fmla="*/ 93457 w 8030690"/>
-              <a:gd name="connsiteY48" fmla="*/ 622706 h 6858000"/>
-              <a:gd name="connsiteX49" fmla="*/ 73454 w 8030690"/>
-              <a:gd name="connsiteY49" fmla="*/ 466344 h 6858000"/>
-              <a:gd name="connsiteX50" fmla="*/ 50090 w 8030690"/>
-              <a:gd name="connsiteY50" fmla="*/ 310667 h 6858000"/>
-              <a:gd name="connsiteX51" fmla="*/ 26222 w 8030690"/>
-              <a:gd name="connsiteY51" fmla="*/ 155676 h 6858000"/>
-            </a:gdLst>
-            <a:ahLst/>
-            <a:cxnLst>
-              <a:cxn ang="0">
-                <a:pos x="connsiteX0" y="connsiteY0"/>
-              </a:cxn>
-              <a:cxn ang="0">
-                <a:pos x="connsiteX1" y="connsiteY1"/>
-              </a:cxn>
-              <a:cxn ang="0">
-                <a:pos x="connsiteX2" y="connsiteY2"/>
-              </a:cxn>
-              <a:cxn ang="0">
-                <a:pos x="connsiteX3" y="connsiteY3"/>
-              </a:cxn>
-              <a:cxn ang="0">
-                <a:pos x="connsiteX4" y="connsiteY4"/>
-              </a:cxn>
-              <a:cxn ang="0">
-                <a:pos x="connsiteX5" y="connsiteY5"/>
-              </a:cxn>
-              <a:cxn ang="0">
-                <a:pos x="connsiteX6" y="connsiteY6"/>
-              </a:cxn>
-              <a:cxn ang="0">
-                <a:pos x="connsiteX7" y="connsiteY7"/>
-              </a:cxn>
-              <a:cxn ang="0">
-                <a:pos x="connsiteX8" y="connsiteY8"/>
-              </a:cxn>
-              <a:cxn ang="0">
-                <a:pos x="connsiteX9" y="connsiteY9"/>
-              </a:cxn>
-              <a:cxn ang="0">
-                <a:pos x="connsiteX10" y="connsiteY10"/>
-              </a:cxn>
-              <a:cxn ang="0">
-                <a:pos x="connsiteX11" y="connsiteY11"/>
-              </a:cxn>
-              <a:cxn ang="0">
-                <a:pos x="connsiteX12" y="connsiteY12"/>
-              </a:cxn>
-              <a:cxn ang="0">
-                <a:pos x="connsiteX13" y="connsiteY13"/>
-              </a:cxn>
-              <a:cxn ang="0">
-                <a:pos x="connsiteX14" y="connsiteY14"/>
-              </a:cxn>
-              <a:cxn ang="0">
-                <a:pos x="connsiteX15" y="connsiteY15"/>
-              </a:cxn>
-              <a:cxn ang="0">
-                <a:pos x="connsiteX16" y="connsiteY16"/>
-              </a:cxn>
-              <a:cxn ang="0">
-                <a:pos x="connsiteX17" y="connsiteY17"/>
-              </a:cxn>
-              <a:cxn ang="0">
-                <a:pos x="connsiteX18" y="connsiteY18"/>
-              </a:cxn>
-              <a:cxn ang="0">
-                <a:pos x="connsiteX19" y="connsiteY19"/>
-              </a:cxn>
-              <a:cxn ang="0">
-                <a:pos x="connsiteX20" y="connsiteY20"/>
-              </a:cxn>
-              <a:cxn ang="0">
-                <a:pos x="connsiteX21" y="connsiteY21"/>
-              </a:cxn>
-              <a:cxn ang="0">
-                <a:pos x="connsiteX22" y="connsiteY22"/>
-              </a:cxn>
-              <a:cxn ang="0">
-                <a:pos x="connsiteX23" y="connsiteY23"/>
-              </a:cxn>
-              <a:cxn ang="0">
-                <a:pos x="connsiteX24" y="connsiteY24"/>
-              </a:cxn>
-              <a:cxn ang="0">
-                <a:pos x="connsiteX25" y="connsiteY25"/>
-              </a:cxn>
-              <a:cxn ang="0">
-                <a:pos x="connsiteX26" y="connsiteY26"/>
-              </a:cxn>
-              <a:cxn ang="0">
-                <a:pos x="connsiteX27" y="connsiteY27"/>
-              </a:cxn>
-              <a:cxn ang="0">
-                <a:pos x="connsiteX28" y="connsiteY28"/>
-              </a:cxn>
-              <a:cxn ang="0">
-                <a:pos x="connsiteX29" y="connsiteY29"/>
-              </a:cxn>
-              <a:cxn ang="0">
-                <a:pos x="connsiteX30" y="connsiteY30"/>
-              </a:cxn>
-              <a:cxn ang="0">
-                <a:pos x="connsiteX31" y="connsiteY31"/>
-              </a:cxn>
-              <a:cxn ang="0">
-                <a:pos x="connsiteX32" y="connsiteY32"/>
-              </a:cxn>
-              <a:cxn ang="0">
-                <a:pos x="connsiteX33" y="connsiteY33"/>
-              </a:cxn>
-              <a:cxn ang="0">
-                <a:pos x="connsiteX34" y="connsiteY34"/>
-              </a:cxn>
-              <a:cxn ang="0">
-                <a:pos x="connsiteX35" y="connsiteY35"/>
-              </a:cxn>
-              <a:cxn ang="0">
-                <a:pos x="connsiteX36" y="connsiteY36"/>
-              </a:cxn>
-              <a:cxn ang="0">
-                <a:pos x="connsiteX37" y="connsiteY37"/>
-              </a:cxn>
-              <a:cxn ang="0">
-                <a:pos x="connsiteX38" y="connsiteY38"/>
-              </a:cxn>
-              <a:cxn ang="0">
-                <a:pos x="connsiteX39" y="connsiteY39"/>
-              </a:cxn>
-              <a:cxn ang="0">
-                <a:pos x="connsiteX40" y="connsiteY40"/>
-              </a:cxn>
-              <a:cxn ang="0">
-                <a:pos x="connsiteX41" y="connsiteY41"/>
-              </a:cxn>
-              <a:cxn ang="0">
-                <a:pos x="connsiteX42" y="connsiteY42"/>
-              </a:cxn>
-              <a:cxn ang="0">
-                <a:pos x="connsiteX43" y="connsiteY43"/>
-              </a:cxn>
-              <a:cxn ang="0">
-                <a:pos x="connsiteX44" y="connsiteY44"/>
-              </a:cxn>
-              <a:cxn ang="0">
-                <a:pos x="connsiteX45" y="connsiteY45"/>
-              </a:cxn>
-              <a:cxn ang="0">
-                <a:pos x="connsiteX46" y="connsiteY46"/>
-              </a:cxn>
-              <a:cxn ang="0">
-                <a:pos x="connsiteX47" y="connsiteY47"/>
-              </a:cxn>
-              <a:cxn ang="0">
-                <a:pos x="connsiteX48" y="connsiteY48"/>
-              </a:cxn>
-              <a:cxn ang="0">
-                <a:pos x="connsiteX49" y="connsiteY49"/>
-              </a:cxn>
-              <a:cxn ang="0">
-                <a:pos x="connsiteX50" y="connsiteY50"/>
-              </a:cxn>
-              <a:cxn ang="0">
-                <a:pos x="connsiteX51" y="connsiteY51"/>
-              </a:cxn>
-            </a:cxnLst>
-            <a:rect l="l" t="t" r="r" b="b"/>
-            <a:pathLst>
-              <a:path w="8030690" h="6858000">
-                <a:moveTo>
-                  <a:pt x="1176" y="0"/>
-                </a:moveTo>
-                <a:lnTo>
-                  <a:pt x="1344715" y="0"/>
-                </a:lnTo>
-                <a:lnTo>
-                  <a:pt x="1344715" y="0"/>
-                </a:lnTo>
-                <a:lnTo>
-                  <a:pt x="8030690" y="0"/>
-                </a:lnTo>
-                <a:lnTo>
-                  <a:pt x="8030690" y="6858000"/>
-                </a:lnTo>
-                <a:lnTo>
-                  <a:pt x="477746" y="6858000"/>
-                </a:lnTo>
-                <a:lnTo>
-                  <a:pt x="477746" y="6858000"/>
-                </a:lnTo>
-                <a:lnTo>
-                  <a:pt x="0" y="6858000"/>
-                </a:lnTo>
-                <a:lnTo>
-                  <a:pt x="5883" y="6817538"/>
-                </a:lnTo>
-                <a:lnTo>
-                  <a:pt x="23196" y="6698894"/>
-                </a:lnTo>
-                <a:lnTo>
-                  <a:pt x="35298" y="6612483"/>
-                </a:lnTo>
-                <a:lnTo>
-                  <a:pt x="48073" y="6509613"/>
-                </a:lnTo>
-                <a:lnTo>
-                  <a:pt x="63369" y="6387541"/>
-                </a:lnTo>
-                <a:lnTo>
-                  <a:pt x="79506" y="6252438"/>
-                </a:lnTo>
-                <a:lnTo>
-                  <a:pt x="96483" y="6100191"/>
-                </a:lnTo>
-                <a:lnTo>
-                  <a:pt x="114468" y="5934227"/>
-                </a:lnTo>
-                <a:lnTo>
-                  <a:pt x="132454" y="5753862"/>
-                </a:lnTo>
-                <a:lnTo>
-                  <a:pt x="150775" y="5561838"/>
-                </a:lnTo>
-                <a:lnTo>
-                  <a:pt x="167752" y="5354726"/>
-                </a:lnTo>
-                <a:lnTo>
-                  <a:pt x="184057" y="5138013"/>
-                </a:lnTo>
-                <a:lnTo>
-                  <a:pt x="198849" y="4908956"/>
-                </a:lnTo>
-                <a:lnTo>
-                  <a:pt x="212968" y="4670298"/>
-                </a:lnTo>
-                <a:lnTo>
-                  <a:pt x="226248" y="4421352"/>
-                </a:lnTo>
-                <a:lnTo>
-                  <a:pt x="230954" y="4293793"/>
-                </a:lnTo>
-                <a:lnTo>
-                  <a:pt x="236165" y="4163491"/>
-                </a:lnTo>
-                <a:lnTo>
-                  <a:pt x="241039" y="4031132"/>
-                </a:lnTo>
-                <a:lnTo>
-                  <a:pt x="244233" y="3898087"/>
-                </a:lnTo>
-                <a:lnTo>
-                  <a:pt x="247091" y="3762298"/>
-                </a:lnTo>
-                <a:lnTo>
-                  <a:pt x="250116" y="3625138"/>
-                </a:lnTo>
-                <a:lnTo>
-                  <a:pt x="252133" y="3485235"/>
-                </a:lnTo>
-                <a:lnTo>
-                  <a:pt x="252133" y="3343960"/>
-                </a:lnTo>
-                <a:lnTo>
-                  <a:pt x="253142" y="3201314"/>
-                </a:lnTo>
-                <a:lnTo>
-                  <a:pt x="252133" y="3057296"/>
-                </a:lnTo>
-                <a:lnTo>
-                  <a:pt x="250116" y="2911221"/>
-                </a:lnTo>
-                <a:lnTo>
-                  <a:pt x="248267" y="2765145"/>
-                </a:lnTo>
-                <a:lnTo>
-                  <a:pt x="244233" y="2617013"/>
-                </a:lnTo>
-                <a:lnTo>
-                  <a:pt x="240031" y="2467508"/>
-                </a:lnTo>
-                <a:lnTo>
-                  <a:pt x="235156" y="2318004"/>
-                </a:lnTo>
-                <a:lnTo>
-                  <a:pt x="228265" y="2167128"/>
-                </a:lnTo>
-                <a:lnTo>
-                  <a:pt x="220028" y="2014880"/>
-                </a:lnTo>
-                <a:lnTo>
-                  <a:pt x="212128" y="1861947"/>
-                </a:lnTo>
-                <a:lnTo>
-                  <a:pt x="202043" y="1709013"/>
-                </a:lnTo>
-                <a:lnTo>
-                  <a:pt x="189940" y="1554023"/>
-                </a:lnTo>
-                <a:lnTo>
-                  <a:pt x="177838" y="1401089"/>
-                </a:lnTo>
-                <a:lnTo>
-                  <a:pt x="163886" y="1245413"/>
-                </a:lnTo>
-                <a:lnTo>
-                  <a:pt x="148590" y="1089050"/>
-                </a:lnTo>
-                <a:lnTo>
-                  <a:pt x="132454" y="934745"/>
-                </a:lnTo>
-                <a:lnTo>
-                  <a:pt x="113628" y="778383"/>
-                </a:lnTo>
-                <a:lnTo>
-                  <a:pt x="93457" y="622706"/>
-                </a:lnTo>
-                <a:lnTo>
-                  <a:pt x="73454" y="466344"/>
-                </a:lnTo>
-                <a:lnTo>
-                  <a:pt x="50090" y="310667"/>
-                </a:lnTo>
-                <a:lnTo>
-                  <a:pt x="26222" y="155676"/>
-                </a:lnTo>
-                <a:close/>
-              </a:path>
-            </a:pathLst>
-          </a:custGeom>
-          <a:solidFill>
-            <a:schemeClr val="bg1"/>
-          </a:solidFill>
-          <a:ln>
-            <a:noFill/>
-          </a:ln>
-        </p:spPr>
-        <p:style>
-          <a:lnRef idx="2">
-            <a:schemeClr val="accent1">
-              <a:shade val="50000"/>
-            </a:schemeClr>
-          </a:lnRef>
-          <a:fillRef idx="1">
-            <a:schemeClr val="accent1"/>
-          </a:fillRef>
-          <a:effectRef idx="0">
-            <a:schemeClr val="accent1"/>
-          </a:effectRef>
-          <a:fontRef idx="minor">
-            <a:schemeClr val="lt1"/>
-          </a:fontRef>
-        </p:style>
-        <p:txBody>
-          <a:bodyPr wrap="square" rtlCol="0" anchor="ctr">
-            <a:noAutofit/>
-          </a:bodyPr>
-          <a:lstStyle/>
-          <a:p>
-            <a:pPr algn="ctr"/>
-            <a:endParaRPr lang="en-US"/>
-          </a:p>
-        </p:txBody>
-      </p:sp>
-      <p:sp>
-        <p:nvSpPr>
-          <p:cNvPr id="14" name="Freeform 11">
-            <a:extLst>
-              <a:ext uri="{FF2B5EF4-FFF2-40B4-BE49-F238E27FC236}">
-                <a16:creationId xmlns:a16="http://schemas.microsoft.com/office/drawing/2014/main" id="{BDC58DEA-1307-4F44-AD47-E613D8B76A89}"/>
-              </a:ext>
-              <a:ext uri="{C183D7F6-B498-43B3-948B-1728B52AA6E4}">
-                <adec:decorative xmlns:adec="http://schemas.microsoft.com/office/drawing/2017/decorative" val="1"/>
-              </a:ext>
-            </a:extLst>
-          </p:cNvPr>
-          <p:cNvSpPr>
-            <a:spLocks noGrp="1" noRot="1" noChangeAspect="1" noMove="1" noResize="1" noEditPoints="1" noAdjustHandles="1" noChangeArrowheads="1" noChangeShapeType="1" noTextEdit="1"/>
-          </p:cNvSpPr>
-          <p:nvPr>
-            <p:extLst>
-              <p:ext uri="{386F3935-93C4-4BCD-93E2-E3B085C9AB24}">
-                <p16:designElem xmlns:p16="http://schemas.microsoft.com/office/powerpoint/2015/main" val="1"/>
-              </p:ext>
-            </p:extLst>
-          </p:nvPr>
-        </p:nvSpPr>
-        <p:spPr>
-          <a:xfrm>
-            <a:off x="3948110" y="-1"/>
-            <a:ext cx="559472" cy="3709642"/>
-          </a:xfrm>
-          <a:custGeom>
-            <a:avLst/>
-            <a:gdLst>
-              <a:gd name="connsiteX0" fmla="*/ 0 w 559472"/>
-              <a:gd name="connsiteY0" fmla="*/ 0 h 3709642"/>
-              <a:gd name="connsiteX1" fmla="*/ 473952 w 559472"/>
-              <a:gd name="connsiteY1" fmla="*/ 0 h 3709642"/>
-              <a:gd name="connsiteX2" fmla="*/ 485840 w 559472"/>
-              <a:gd name="connsiteY2" fmla="*/ 161194 h 3709642"/>
-              <a:gd name="connsiteX3" fmla="*/ 523949 w 559472"/>
-              <a:gd name="connsiteY3" fmla="*/ 3672197 h 3709642"/>
-              <a:gd name="connsiteX4" fmla="*/ 454748 w 559472"/>
-              <a:gd name="connsiteY4" fmla="*/ 3709642 h 3709642"/>
-              <a:gd name="connsiteX5" fmla="*/ 448224 w 559472"/>
-              <a:gd name="connsiteY5" fmla="*/ 3510471 h 3709642"/>
-              <a:gd name="connsiteX6" fmla="*/ 443564 w 559472"/>
-              <a:gd name="connsiteY6" fmla="*/ 3408563 h 3709642"/>
-              <a:gd name="connsiteX7" fmla="*/ 438902 w 559472"/>
-              <a:gd name="connsiteY7" fmla="*/ 3304407 h 3709642"/>
-              <a:gd name="connsiteX8" fmla="*/ 433941 w 559472"/>
-              <a:gd name="connsiteY8" fmla="*/ 3198777 h 3709642"/>
-              <a:gd name="connsiteX9" fmla="*/ 427584 w 559472"/>
-              <a:gd name="connsiteY9" fmla="*/ 3092510 h 3709642"/>
-              <a:gd name="connsiteX10" fmla="*/ 420988 w 559472"/>
-              <a:gd name="connsiteY10" fmla="*/ 2984390 h 3709642"/>
-              <a:gd name="connsiteX11" fmla="*/ 414330 w 559472"/>
-              <a:gd name="connsiteY11" fmla="*/ 2874401 h 3709642"/>
-              <a:gd name="connsiteX12" fmla="*/ 406840 w 559472"/>
-              <a:gd name="connsiteY12" fmla="*/ 2762980 h 3709642"/>
-              <a:gd name="connsiteX13" fmla="*/ 397745 w 559472"/>
-              <a:gd name="connsiteY13" fmla="*/ 2650566 h 3709642"/>
-              <a:gd name="connsiteX14" fmla="*/ 389154 w 559472"/>
-              <a:gd name="connsiteY14" fmla="*/ 2536612 h 3709642"/>
-              <a:gd name="connsiteX15" fmla="*/ 379225 w 559472"/>
-              <a:gd name="connsiteY15" fmla="*/ 2421642 h 3709642"/>
-              <a:gd name="connsiteX16" fmla="*/ 368316 w 559472"/>
-              <a:gd name="connsiteY16" fmla="*/ 2305627 h 3709642"/>
-              <a:gd name="connsiteX17" fmla="*/ 357466 w 559472"/>
-              <a:gd name="connsiteY17" fmla="*/ 2189233 h 3709642"/>
-              <a:gd name="connsiteX18" fmla="*/ 344982 w 559472"/>
-              <a:gd name="connsiteY18" fmla="*/ 2071473 h 3709642"/>
-              <a:gd name="connsiteX19" fmla="*/ 332466 w 559472"/>
-              <a:gd name="connsiteY19" fmla="*/ 1952216 h 3709642"/>
-              <a:gd name="connsiteX20" fmla="*/ 319121 w 559472"/>
-              <a:gd name="connsiteY20" fmla="*/ 1833776 h 3709642"/>
-              <a:gd name="connsiteX21" fmla="*/ 304408 w 559472"/>
-              <a:gd name="connsiteY21" fmla="*/ 1713948 h 3709642"/>
-              <a:gd name="connsiteX22" fmla="*/ 288685 w 559472"/>
-              <a:gd name="connsiteY22" fmla="*/ 1592703 h 3709642"/>
-              <a:gd name="connsiteX23" fmla="*/ 273050 w 559472"/>
-              <a:gd name="connsiteY23" fmla="*/ 1471451 h 3709642"/>
-              <a:gd name="connsiteX24" fmla="*/ 255813 w 559472"/>
-              <a:gd name="connsiteY24" fmla="*/ 1350328 h 3709642"/>
-              <a:gd name="connsiteX25" fmla="*/ 237060 w 559472"/>
-              <a:gd name="connsiteY25" fmla="*/ 1227080 h 3709642"/>
-              <a:gd name="connsiteX26" fmla="*/ 218488 w 559472"/>
-              <a:gd name="connsiteY26" fmla="*/ 1106065 h 3709642"/>
-              <a:gd name="connsiteX27" fmla="*/ 198221 w 559472"/>
-              <a:gd name="connsiteY27" fmla="*/ 982940 h 3709642"/>
-              <a:gd name="connsiteX28" fmla="*/ 177152 w 559472"/>
-              <a:gd name="connsiteY28" fmla="*/ 858755 h 3709642"/>
-              <a:gd name="connsiteX29" fmla="*/ 155551 w 559472"/>
-              <a:gd name="connsiteY29" fmla="*/ 736861 h 3709642"/>
-              <a:gd name="connsiteX30" fmla="*/ 131782 w 559472"/>
-              <a:gd name="connsiteY30" fmla="*/ 613645 h 3709642"/>
-              <a:gd name="connsiteX31" fmla="*/ 107123 w 559472"/>
-              <a:gd name="connsiteY31" fmla="*/ 490500 h 3709642"/>
-              <a:gd name="connsiteX32" fmla="*/ 82552 w 559472"/>
-              <a:gd name="connsiteY32" fmla="*/ 367348 h 3709642"/>
-              <a:gd name="connsiteX33" fmla="*/ 55608 w 559472"/>
-              <a:gd name="connsiteY33" fmla="*/ 244762 h 3709642"/>
-              <a:gd name="connsiteX34" fmla="*/ 28130 w 559472"/>
-              <a:gd name="connsiteY34" fmla="*/ 122220 h 3709642"/>
-              <a:gd name="connsiteX35" fmla="*/ 0 w 559472"/>
-              <a:gd name="connsiteY35" fmla="*/ 0 h 3709642"/>
-            </a:gdLst>
-            <a:ahLst/>
-            <a:cxnLst>
-              <a:cxn ang="0">
-                <a:pos x="connsiteX0" y="connsiteY0"/>
-              </a:cxn>
-              <a:cxn ang="0">
-                <a:pos x="connsiteX1" y="connsiteY1"/>
-              </a:cxn>
-              <a:cxn ang="0">
-                <a:pos x="connsiteX2" y="connsiteY2"/>
-              </a:cxn>
-              <a:cxn ang="0">
-                <a:pos x="connsiteX3" y="connsiteY3"/>
-              </a:cxn>
-              <a:cxn ang="0">
-                <a:pos x="connsiteX4" y="connsiteY4"/>
-              </a:cxn>
-              <a:cxn ang="0">
-                <a:pos x="connsiteX5" y="connsiteY5"/>
-              </a:cxn>
-              <a:cxn ang="0">
-                <a:pos x="connsiteX6" y="connsiteY6"/>
-              </a:cxn>
-              <a:cxn ang="0">
-                <a:pos x="connsiteX7" y="connsiteY7"/>
-              </a:cxn>
-              <a:cxn ang="0">
-                <a:pos x="connsiteX8" y="connsiteY8"/>
-              </a:cxn>
-              <a:cxn ang="0">
-                <a:pos x="connsiteX9" y="connsiteY9"/>
-              </a:cxn>
-              <a:cxn ang="0">
-                <a:pos x="connsiteX10" y="connsiteY10"/>
-              </a:cxn>
-              <a:cxn ang="0">
-                <a:pos x="connsiteX11" y="connsiteY11"/>
-              </a:cxn>
-              <a:cxn ang="0">
-                <a:pos x="connsiteX12" y="connsiteY12"/>
-              </a:cxn>
-              <a:cxn ang="0">
-                <a:pos x="connsiteX13" y="connsiteY13"/>
-              </a:cxn>
-              <a:cxn ang="0">
-                <a:pos x="connsiteX14" y="connsiteY14"/>
-              </a:cxn>
-              <a:cxn ang="0">
-                <a:pos x="connsiteX15" y="connsiteY15"/>
-              </a:cxn>
-              <a:cxn ang="0">
-                <a:pos x="connsiteX16" y="connsiteY16"/>
-              </a:cxn>
-              <a:cxn ang="0">
-                <a:pos x="connsiteX17" y="connsiteY17"/>
-              </a:cxn>
-              <a:cxn ang="0">
-                <a:pos x="connsiteX18" y="connsiteY18"/>
-              </a:cxn>
-              <a:cxn ang="0">
-                <a:pos x="connsiteX19" y="connsiteY19"/>
-              </a:cxn>
-              <a:cxn ang="0">
-                <a:pos x="connsiteX20" y="connsiteY20"/>
-              </a:cxn>
-              <a:cxn ang="0">
-                <a:pos x="connsiteX21" y="connsiteY21"/>
-              </a:cxn>
-              <a:cxn ang="0">
-                <a:pos x="connsiteX22" y="connsiteY22"/>
-              </a:cxn>
-              <a:cxn ang="0">
-                <a:pos x="connsiteX23" y="connsiteY23"/>
-              </a:cxn>
-              <a:cxn ang="0">
-                <a:pos x="connsiteX24" y="connsiteY24"/>
-              </a:cxn>
-              <a:cxn ang="0">
-                <a:pos x="connsiteX25" y="connsiteY25"/>
-              </a:cxn>
-              <a:cxn ang="0">
-                <a:pos x="connsiteX26" y="connsiteY26"/>
-              </a:cxn>
-              <a:cxn ang="0">
-                <a:pos x="connsiteX27" y="connsiteY27"/>
-              </a:cxn>
-              <a:cxn ang="0">
-                <a:pos x="connsiteX28" y="connsiteY28"/>
-              </a:cxn>
-              <a:cxn ang="0">
-                <a:pos x="connsiteX29" y="connsiteY29"/>
-              </a:cxn>
-              <a:cxn ang="0">
-                <a:pos x="connsiteX30" y="connsiteY30"/>
-              </a:cxn>
-              <a:cxn ang="0">
-                <a:pos x="connsiteX31" y="connsiteY31"/>
-              </a:cxn>
-              <a:cxn ang="0">
-                <a:pos x="connsiteX32" y="connsiteY32"/>
-              </a:cxn>
-              <a:cxn ang="0">
-                <a:pos x="connsiteX33" y="connsiteY33"/>
-              </a:cxn>
-              <a:cxn ang="0">
-                <a:pos x="connsiteX34" y="connsiteY34"/>
-              </a:cxn>
-              <a:cxn ang="0">
-                <a:pos x="connsiteX35" y="connsiteY35"/>
-              </a:cxn>
-            </a:cxnLst>
-            <a:rect l="l" t="t" r="r" b="b"/>
-            <a:pathLst>
-              <a:path w="559472" h="3709642">
-                <a:moveTo>
-                  <a:pt x="0" y="0"/>
-                </a:moveTo>
-                <a:lnTo>
-                  <a:pt x="473952" y="0"/>
-                </a:lnTo>
-                <a:lnTo>
-                  <a:pt x="485840" y="161194"/>
-                </a:lnTo>
-                <a:cubicBezTo>
-                  <a:pt x="552063" y="1147770"/>
-                  <a:pt x="592441" y="3086737"/>
-                  <a:pt x="523949" y="3672197"/>
-                </a:cubicBezTo>
-                <a:cubicBezTo>
-                  <a:pt x="500842" y="3684557"/>
-                  <a:pt x="477855" y="3697282"/>
-                  <a:pt x="454748" y="3709642"/>
-                </a:cubicBezTo>
-                <a:lnTo>
-                  <a:pt x="448224" y="3510471"/>
-                </a:lnTo>
-                <a:lnTo>
-                  <a:pt x="443564" y="3408563"/>
-                </a:lnTo>
-                <a:lnTo>
-                  <a:pt x="438902" y="3304407"/>
-                </a:lnTo>
-                <a:lnTo>
-                  <a:pt x="433941" y="3198777"/>
-                </a:lnTo>
-                <a:lnTo>
-                  <a:pt x="427584" y="3092510"/>
-                </a:lnTo>
-                <a:lnTo>
-                  <a:pt x="420988" y="2984390"/>
-                </a:lnTo>
-                <a:lnTo>
-                  <a:pt x="414330" y="2874401"/>
-                </a:lnTo>
-                <a:lnTo>
-                  <a:pt x="406840" y="2762980"/>
-                </a:lnTo>
-                <a:lnTo>
-                  <a:pt x="397745" y="2650566"/>
-                </a:lnTo>
-                <a:lnTo>
-                  <a:pt x="389154" y="2536612"/>
-                </a:lnTo>
-                <a:lnTo>
-                  <a:pt x="379225" y="2421642"/>
-                </a:lnTo>
-                <a:lnTo>
-                  <a:pt x="368316" y="2305627"/>
-                </a:lnTo>
-                <a:lnTo>
-                  <a:pt x="357466" y="2189233"/>
-                </a:lnTo>
-                <a:lnTo>
-                  <a:pt x="344982" y="2071473"/>
-                </a:lnTo>
-                <a:lnTo>
-                  <a:pt x="332466" y="1952216"/>
-                </a:lnTo>
-                <a:lnTo>
-                  <a:pt x="319121" y="1833776"/>
-                </a:lnTo>
-                <a:lnTo>
-                  <a:pt x="304408" y="1713948"/>
-                </a:lnTo>
-                <a:lnTo>
-                  <a:pt x="288685" y="1592703"/>
-                </a:lnTo>
-                <a:lnTo>
-                  <a:pt x="273050" y="1471451"/>
-                </a:lnTo>
-                <a:lnTo>
-                  <a:pt x="255813" y="1350328"/>
-                </a:lnTo>
-                <a:lnTo>
-                  <a:pt x="237060" y="1227080"/>
-                </a:lnTo>
-                <a:lnTo>
-                  <a:pt x="218488" y="1106065"/>
-                </a:lnTo>
-                <a:lnTo>
-                  <a:pt x="198221" y="982940"/>
-                </a:lnTo>
-                <a:lnTo>
-                  <a:pt x="177152" y="858755"/>
-                </a:lnTo>
-                <a:lnTo>
-                  <a:pt x="155551" y="736861"/>
-                </a:lnTo>
-                <a:lnTo>
-                  <a:pt x="131782" y="613645"/>
-                </a:lnTo>
-                <a:lnTo>
-                  <a:pt x="107123" y="490500"/>
-                </a:lnTo>
-                <a:lnTo>
-                  <a:pt x="82552" y="367348"/>
-                </a:lnTo>
-                <a:lnTo>
-                  <a:pt x="55608" y="244762"/>
-                </a:lnTo>
-                <a:lnTo>
-                  <a:pt x="28130" y="122220"/>
-                </a:lnTo>
-                <a:lnTo>
-                  <a:pt x="0" y="0"/>
-                </a:lnTo>
-                <a:close/>
-              </a:path>
-            </a:pathLst>
-          </a:custGeom>
-          <a:solidFill>
-            <a:schemeClr val="bg1">
-              <a:alpha val="20000"/>
-            </a:schemeClr>
-          </a:solidFill>
-          <a:ln>
-            <a:noFill/>
-          </a:ln>
-        </p:spPr>
-        <p:txBody>
-          <a:bodyPr rtlCol="0" anchor="ctr"/>
-          <a:lstStyle/>
-          <a:p>
-            <a:pPr algn="ctr"/>
-            <a:endParaRPr lang="en-US"/>
-          </a:p>
-        </p:txBody>
-      </p:sp>
-      <p:sp>
-        <p:nvSpPr>
-          <p:cNvPr id="16" name="Rectangle 15">
-            <a:extLst>
-              <a:ext uri="{FF2B5EF4-FFF2-40B4-BE49-F238E27FC236}">
-                <a16:creationId xmlns:a16="http://schemas.microsoft.com/office/drawing/2014/main" id="{C99B912D-1E4B-42AF-A2BE-CFEFEC916EE7}"/>
-              </a:ext>
-              <a:ext uri="{C183D7F6-B498-43B3-948B-1728B52AA6E4}">
-                <adec:decorative xmlns:adec="http://schemas.microsoft.com/office/drawing/2017/decorative" val="1"/>
-              </a:ext>
-            </a:extLst>
-          </p:cNvPr>
-          <p:cNvSpPr>
-            <a:spLocks noGrp="1" noRot="1" noChangeAspect="1" noMove="1" noResize="1" noEditPoints="1" noAdjustHandles="1" noChangeArrowheads="1" noChangeShapeType="1" noTextEdit="1"/>
-          </p:cNvSpPr>
-          <p:nvPr>
-            <p:extLst>
-              <p:ext uri="{386F3935-93C4-4BCD-93E2-E3B085C9AB24}">
-                <p16:designElem xmlns:p16="http://schemas.microsoft.com/office/powerpoint/2015/main" val="1"/>
-              </p:ext>
-            </p:extLst>
-          </p:nvPr>
-        </p:nvSpPr>
-        <p:spPr>
-          <a:xfrm>
-            <a:off x="10437812" y="0"/>
-            <a:ext cx="685800" cy="1143000"/>
-          </a:xfrm>
-          <a:prstGeom prst="rect">
-            <a:avLst/>
-          </a:prstGeom>
-          <a:solidFill>
-            <a:schemeClr val="accent1"/>
-          </a:solidFill>
-          <a:ln>
-            <a:noFill/>
-          </a:ln>
-        </p:spPr>
-        <p:style>
-          <a:lnRef idx="1">
-            <a:schemeClr val="accent1"/>
-          </a:lnRef>
-          <a:fillRef idx="3">
-            <a:schemeClr val="accent1"/>
-          </a:fillRef>
-          <a:effectRef idx="2">
-            <a:schemeClr val="accent1"/>
-          </a:effectRef>
-          <a:fontRef idx="minor">
-            <a:schemeClr val="lt1"/>
-          </a:fontRef>
-        </p:style>
-      </p:sp>
-      <p:graphicFrame>
-        <p:nvGraphicFramePr>
-          <p:cNvPr id="5" name="Content Placeholder 2">
-            <a:extLst>
-              <a:ext uri="{FF2B5EF4-FFF2-40B4-BE49-F238E27FC236}">
-                <a16:creationId xmlns:a16="http://schemas.microsoft.com/office/drawing/2014/main" id="{8E52ADAC-BD8D-4A18-8472-BEB87A6D511E}"/>
-              </a:ext>
-            </a:extLst>
-          </p:cNvPr>
-          <p:cNvGraphicFramePr>
-            <a:graphicFrameLocks noGrp="1"/>
-          </p:cNvGraphicFramePr>
-          <p:nvPr>
-            <p:ph idx="1"/>
-            <p:extLst>
-              <p:ext uri="{D42A27DB-BD31-4B8C-83A1-F6EECF244321}">
-                <p14:modId xmlns:p14="http://schemas.microsoft.com/office/powerpoint/2010/main" val="2021799526"/>
-              </p:ext>
-            </p:extLst>
-          </p:nvPr>
-        </p:nvGraphicFramePr>
-        <p:xfrm>
-          <a:off x="5048250" y="1447800"/>
-          <a:ext cx="6496050" cy="4572000"/>
-        </p:xfrm>
-        <a:graphic>
-          <a:graphicData uri="http://schemas.openxmlformats.org/drawingml/2006/diagram">
-            <dgm:relIds xmlns:dgm="http://schemas.openxmlformats.org/drawingml/2006/diagram" xmlns:r="http://schemas.openxmlformats.org/officeDocument/2006/relationships" r:dm="rId2" r:lo="rId3" r:qs="rId4" r:cs="rId5"/>
-          </a:graphicData>
-        </a:graphic>
-      </p:graphicFrame>
-    </p:spTree>
-    <p:extLst>
-      <p:ext uri="{BB962C8B-B14F-4D97-AF65-F5344CB8AC3E}">
-        <p14:creationId xmlns:p14="http://schemas.microsoft.com/office/powerpoint/2010/main" val="3558900623"/>
-      </p:ext>
-    </p:extLst>
-  </p:cSld>
-  <p:clrMapOvr>
-    <a:overrideClrMapping bg1="lt1" tx1="dk1" bg2="lt2" tx2="dk2" accent1="accent1" accent2="accent2" accent3="accent3" accent4="accent4" accent5="accent5" accent6="accent6" hlink="hlink" folHlink="folHlink"/>
-  </p:clrMapOvr>
-</p:sld>
-</file>
-
-<file path=ppt/slides/slide2.xml><?xml version="1.0" encoding="utf-8"?>
-<p:sld xmlns:a="http://schemas.openxmlformats.org/drawingml/2006/main" xmlns:r="http://schemas.openxmlformats.org/officeDocument/2006/relationships" xmlns:p="http://schemas.openxmlformats.org/presentationml/2006/main">
-  <p:cSld>
-    <p:bg>
-      <p:bgPr>
-        <a:blipFill rotWithShape="1">
-          <a:blip r:embed="rId2">
-            <a:duotone>
-              <a:schemeClr val="bg2">
-                <a:shade val="69000"/>
-                <a:hueMod val="108000"/>
-                <a:satMod val="164000"/>
-                <a:lumMod val="74000"/>
-              </a:schemeClr>
-              <a:schemeClr val="bg2">
-                <a:tint val="96000"/>
-                <a:hueMod val="88000"/>
-                <a:satMod val="140000"/>
-                <a:lumMod val="132000"/>
-              </a:schemeClr>
-            </a:duotone>
-          </a:blip>
-          <a:stretch/>
-        </a:blipFill>
-        <a:effectLst/>
-      </p:bgPr>
-    </p:bg>
-    <p:spTree>
-      <p:nvGrpSpPr>
-        <p:cNvPr id="1" name=""/>
-        <p:cNvGrpSpPr/>
-        <p:nvPr/>
-      </p:nvGrpSpPr>
-      <p:grpSpPr>
-        <a:xfrm>
-          <a:off x="0" y="0"/>
-          <a:ext cx="0" cy="0"/>
-          <a:chOff x="0" y="0"/>
-          <a:chExt cx="0" cy="0"/>
-        </a:xfrm>
-      </p:grpSpPr>
-      <p:sp>
-        <p:nvSpPr>
-          <p:cNvPr id="8" name="Rectangle 7">
-            <a:extLst>
-              <a:ext uri="{FF2B5EF4-FFF2-40B4-BE49-F238E27FC236}">
-                <a16:creationId xmlns:a16="http://schemas.microsoft.com/office/drawing/2014/main" id="{923E8915-D2AA-4327-A45A-972C3CA9574B}"/>
-              </a:ext>
-              <a:ext uri="{C183D7F6-B498-43B3-948B-1728B52AA6E4}">
-                <adec:decorative xmlns:adec="http://schemas.microsoft.com/office/drawing/2017/decorative" val="1"/>
-              </a:ext>
-            </a:extLst>
-          </p:cNvPr>
-          <p:cNvSpPr>
-            <a:spLocks noGrp="1" noRot="1" noChangeAspect="1" noMove="1" noResize="1" noEditPoints="1" noAdjustHandles="1" noChangeArrowheads="1" noChangeShapeType="1" noTextEdit="1"/>
-          </p:cNvSpPr>
-          <p:nvPr>
-            <p:extLst>
-              <p:ext uri="{386F3935-93C4-4BCD-93E2-E3B085C9AB24}">
-                <p16:designElem xmlns:p16="http://schemas.microsoft.com/office/powerpoint/2015/main" val="1"/>
-              </p:ext>
-            </p:extLst>
-          </p:nvPr>
-        </p:nvSpPr>
-        <p:spPr>
-          <a:xfrm>
-            <a:off x="0" y="0"/>
-            <a:ext cx="12192000" cy="6858000"/>
-          </a:xfrm>
-          <a:prstGeom prst="rect">
-            <a:avLst/>
-          </a:prstGeom>
-          <a:solidFill>
-            <a:schemeClr val="tx1"/>
-          </a:solidFill>
-          <a:ln>
-            <a:noFill/>
-          </a:ln>
-        </p:spPr>
-        <p:style>
-          <a:lnRef idx="2">
-            <a:schemeClr val="accent1">
-              <a:shade val="50000"/>
-            </a:schemeClr>
-          </a:lnRef>
-          <a:fillRef idx="1">
-            <a:schemeClr val="accent1"/>
-          </a:fillRef>
-          <a:effectRef idx="0">
-            <a:schemeClr val="accent1"/>
-          </a:effectRef>
-          <a:fontRef idx="minor">
-            <a:schemeClr val="lt1"/>
-          </a:fontRef>
-        </p:style>
-        <p:txBody>
-          <a:bodyPr rtlCol="0" anchor="ctr"/>
-          <a:lstStyle/>
-          <a:p>
-            <a:pPr algn="ctr"/>
-            <a:endParaRPr lang="en-US"/>
-          </a:p>
-        </p:txBody>
-      </p:sp>
-      <p:sp useBgFill="1">
-        <p:nvSpPr>
-          <p:cNvPr id="25" name="Rectangle 9">
-            <a:extLst>
-              <a:ext uri="{FF2B5EF4-FFF2-40B4-BE49-F238E27FC236}">
-                <a16:creationId xmlns:a16="http://schemas.microsoft.com/office/drawing/2014/main" id="{8302FC3C-9804-4950-B721-5FD704BA6065}"/>
-              </a:ext>
-              <a:ext uri="{C183D7F6-B498-43B3-948B-1728B52AA6E4}">
-                <adec:decorative xmlns:adec="http://schemas.microsoft.com/office/drawing/2017/decorative" val="1"/>
-              </a:ext>
-            </a:extLst>
-          </p:cNvPr>
-          <p:cNvSpPr>
-            <a:spLocks noGrp="1" noRot="1" noChangeAspect="1" noMove="1" noResize="1" noEditPoints="1" noAdjustHandles="1" noChangeArrowheads="1" noChangeShapeType="1" noTextEdit="1"/>
-          </p:cNvSpPr>
-          <p:nvPr>
-            <p:extLst>
-              <p:ext uri="{386F3935-93C4-4BCD-93E2-E3B085C9AB24}">
-                <p16:designElem xmlns:p16="http://schemas.microsoft.com/office/powerpoint/2015/main" val="1"/>
-              </p:ext>
-            </p:extLst>
-          </p:nvPr>
-        </p:nvSpPr>
-        <p:spPr bwMode="ltGray">
-          <a:xfrm>
-            <a:off x="0" y="0"/>
-            <a:ext cx="12188952" cy="6858000"/>
-          </a:xfrm>
-          <a:prstGeom prst="rect">
-            <a:avLst/>
-          </a:prstGeom>
-          <a:ln w="127000" cap="sq" cmpd="thinThick">
-            <a:noFill/>
-          </a:ln>
-        </p:spPr>
-        <p:style>
-          <a:lnRef idx="2">
-            <a:schemeClr val="accent1">
-              <a:shade val="50000"/>
-            </a:schemeClr>
-          </a:lnRef>
-          <a:fillRef idx="1">
-            <a:schemeClr val="accent1"/>
-          </a:fillRef>
-          <a:effectRef idx="0">
-            <a:schemeClr val="accent1"/>
-          </a:effectRef>
-          <a:fontRef idx="minor">
-            <a:schemeClr val="lt1"/>
-          </a:fontRef>
-        </p:style>
-        <p:txBody>
-          <a:bodyPr rtlCol="0" anchor="ctr"/>
-          <a:lstStyle/>
-          <a:p>
-            <a:pPr algn="ctr"/>
-            <a:endParaRPr lang="en-US"/>
-          </a:p>
-        </p:txBody>
-      </p:sp>
-      <p:cxnSp>
-        <p:nvCxnSpPr>
-          <p:cNvPr id="26" name="Straight Connector 11">
-            <a:extLst>
-              <a:ext uri="{FF2B5EF4-FFF2-40B4-BE49-F238E27FC236}">
-                <a16:creationId xmlns:a16="http://schemas.microsoft.com/office/drawing/2014/main" id="{6B9695BD-ECF6-49CA-8877-8C493193C65D}"/>
-              </a:ext>
-              <a:ext uri="{C183D7F6-B498-43B3-948B-1728B52AA6E4}">
-                <adec:decorative xmlns:adec="http://schemas.microsoft.com/office/drawing/2017/decorative" val="1"/>
-              </a:ext>
-            </a:extLst>
-          </p:cNvPr>
-          <p:cNvCxnSpPr>
-            <a:cxnSpLocks noGrp="1" noRot="1" noChangeAspect="1" noMove="1" noResize="1" noEditPoints="1" noAdjustHandles="1" noChangeArrowheads="1" noChangeShapeType="1"/>
-          </p:cNvCxnSpPr>
-          <p:nvPr>
-            <p:extLst>
-              <p:ext uri="{386F3935-93C4-4BCD-93E2-E3B085C9AB24}">
-                <p16:designElem xmlns:p16="http://schemas.microsoft.com/office/powerpoint/2015/main" val="1"/>
-              </p:ext>
-            </p:extLst>
-          </p:nvPr>
-        </p:nvCxnSpPr>
-        <p:spPr>
-          <a:xfrm>
-            <a:off x="4654295" y="1828800"/>
-            <a:ext cx="0" cy="3200400"/>
-          </a:xfrm>
-          <a:prstGeom prst="line">
-            <a:avLst/>
-          </a:prstGeom>
-          <a:ln w="19050">
-            <a:solidFill>
-              <a:schemeClr val="bg2">
-                <a:lumMod val="60000"/>
-                <a:lumOff val="40000"/>
-              </a:schemeClr>
-            </a:solidFill>
-          </a:ln>
-        </p:spPr>
-        <p:style>
-          <a:lnRef idx="1">
-            <a:schemeClr val="accent1"/>
-          </a:lnRef>
-          <a:fillRef idx="0">
-            <a:schemeClr val="accent1"/>
-          </a:fillRef>
-          <a:effectRef idx="0">
-            <a:schemeClr val="accent1"/>
-          </a:effectRef>
-          <a:fontRef idx="minor">
-            <a:schemeClr val="tx1"/>
-          </a:fontRef>
-        </p:style>
-      </p:cxnSp>
-      <p:pic>
-        <p:nvPicPr>
-          <p:cNvPr id="27" name="Picture 13">
-            <a:extLst>
-              <a:ext uri="{FF2B5EF4-FFF2-40B4-BE49-F238E27FC236}">
-                <a16:creationId xmlns:a16="http://schemas.microsoft.com/office/drawing/2014/main" id="{3BC6EBB2-9BDC-4075-BA6B-43A9FBF9C86C}"/>
-              </a:ext>
-              <a:ext uri="{C183D7F6-B498-43B3-948B-1728B52AA6E4}">
-                <adec:decorative xmlns:adec="http://schemas.microsoft.com/office/drawing/2017/decorative" val="1"/>
-              </a:ext>
-            </a:extLst>
-          </p:cNvPr>
-          <p:cNvPicPr>
-            <a:picLocks noGrp="1" noRot="1" noChangeAspect="1" noMove="1" noResize="1" noEditPoints="1" noAdjustHandles="1" noChangeArrowheads="1" noChangeShapeType="1" noCrop="1"/>
-          </p:cNvPicPr>
-          <p:nvPr>
-            <p:extLst>
-              <p:ext uri="{386F3935-93C4-4BCD-93E2-E3B085C9AB24}">
-                <p16:designElem xmlns:p16="http://schemas.microsoft.com/office/powerpoint/2015/main" val="1"/>
-              </p:ext>
-            </p:extLst>
-          </p:nvPr>
-        </p:nvPicPr>
-        <p:blipFill rotWithShape="1">
-          <a:blip r:embed="rId3">
-            <a:extLst>
-              <a:ext uri="{28A0092B-C50C-407E-A947-70E740481C1C}">
-                <a14:useLocalDpi xmlns:a14="http://schemas.microsoft.com/office/drawing/2010/main" val="0"/>
-              </a:ext>
-            </a:extLst>
-          </a:blip>
-          <a:srcRect b="23320"/>
-          <a:stretch/>
-        </p:blipFill>
-        <p:spPr>
-          <a:xfrm>
-            <a:off x="8605878" y="6228080"/>
-            <a:ext cx="993734" cy="762000"/>
-          </a:xfrm>
-          <a:prstGeom prst="rect">
-            <a:avLst/>
-          </a:prstGeom>
-        </p:spPr>
-      </p:pic>
-      <p:sp>
-        <p:nvSpPr>
-          <p:cNvPr id="16" name="Freeform 5">
-            <a:extLst>
-              <a:ext uri="{FF2B5EF4-FFF2-40B4-BE49-F238E27FC236}">
-                <a16:creationId xmlns:a16="http://schemas.microsoft.com/office/drawing/2014/main" id="{F3798573-F27B-47EB-8EA4-7EE34954C2D6}"/>
-              </a:ext>
-              <a:ext uri="{C183D7F6-B498-43B3-948B-1728B52AA6E4}">
-                <adec:decorative xmlns:adec="http://schemas.microsoft.com/office/drawing/2017/decorative" val="1"/>
-              </a:ext>
-            </a:extLst>
-          </p:cNvPr>
-          <p:cNvSpPr>
-            <a:spLocks noGrp="1" noRot="1" noChangeAspect="1" noMove="1" noResize="1" noEditPoints="1" noAdjustHandles="1" noChangeArrowheads="1" noChangeShapeType="1" noTextEdit="1"/>
-          </p:cNvSpPr>
-          <p:nvPr>
-            <p:extLst>
-              <p:ext uri="{386F3935-93C4-4BCD-93E2-E3B085C9AB24}">
-                <p16:designElem xmlns:p16="http://schemas.microsoft.com/office/powerpoint/2015/main" val="1"/>
-              </p:ext>
-            </p:extLst>
-          </p:nvPr>
-        </p:nvSpPr>
-        <p:spPr bwMode="gray">
-          <a:xfrm>
-            <a:off x="-1588" y="0"/>
-            <a:ext cx="12192000" cy="6856413"/>
-          </a:xfrm>
-          <a:custGeom>
-            <a:avLst/>
-            <a:gdLst/>
-            <a:ahLst/>
-            <a:cxnLst/>
-            <a:rect l="0" t="0" r="r" b="b"/>
-            <a:pathLst>
-              <a:path w="15356" h="8638">
-                <a:moveTo>
-                  <a:pt x="0" y="0"/>
-                </a:moveTo>
-                <a:lnTo>
-                  <a:pt x="0" y="8638"/>
-                </a:lnTo>
-                <a:lnTo>
-                  <a:pt x="15356" y="8638"/>
-                </a:lnTo>
-                <a:lnTo>
-                  <a:pt x="15356" y="0"/>
-                </a:lnTo>
-                <a:lnTo>
-                  <a:pt x="0" y="0"/>
-                </a:lnTo>
-                <a:close/>
-                <a:moveTo>
-                  <a:pt x="14748" y="8038"/>
-                </a:moveTo>
-                <a:lnTo>
-                  <a:pt x="600" y="8038"/>
-                </a:lnTo>
-                <a:lnTo>
-                  <a:pt x="600" y="592"/>
-                </a:lnTo>
-                <a:lnTo>
-                  <a:pt x="14748" y="592"/>
-                </a:lnTo>
-                <a:lnTo>
-                  <a:pt x="14748" y="8038"/>
-                </a:lnTo>
-                <a:close/>
-              </a:path>
-            </a:pathLst>
-          </a:custGeom>
-          <a:solidFill>
-            <a:schemeClr val="tx1"/>
-          </a:solidFill>
-          <a:ln>
-            <a:noFill/>
-          </a:ln>
-        </p:spPr>
-      </p:sp>
-      <p:sp>
-        <p:nvSpPr>
-          <p:cNvPr id="2" name="Title 1">
-            <a:extLst>
-              <a:ext uri="{FF2B5EF4-FFF2-40B4-BE49-F238E27FC236}">
-                <a16:creationId xmlns:a16="http://schemas.microsoft.com/office/drawing/2014/main" id="{7409709F-F544-4E09-90BD-4CD5412954DC}"/>
-              </a:ext>
-            </a:extLst>
-          </p:cNvPr>
-          <p:cNvSpPr>
-            <a:spLocks noGrp="1"/>
-          </p:cNvSpPr>
-          <p:nvPr>
-            <p:ph type="title"/>
-          </p:nvPr>
-        </p:nvSpPr>
-        <p:spPr>
-          <a:xfrm>
-            <a:off x="806195" y="804672"/>
-            <a:ext cx="3521359" cy="5248656"/>
-          </a:xfrm>
-        </p:spPr>
-        <p:txBody>
-          <a:bodyPr anchor="ctr">
-            <a:normAutofit/>
-          </a:bodyPr>
-          <a:lstStyle/>
-          <a:p>
-            <a:pPr algn="ctr"/>
-            <a:r>
-              <a:rPr lang="en-US"/>
-              <a:t>OVERVIEW</a:t>
-            </a:r>
-          </a:p>
-        </p:txBody>
-      </p:sp>
-      <p:sp>
-        <p:nvSpPr>
-          <p:cNvPr id="3" name="Content Placeholder 2">
-            <a:extLst>
-              <a:ext uri="{FF2B5EF4-FFF2-40B4-BE49-F238E27FC236}">
-                <a16:creationId xmlns:a16="http://schemas.microsoft.com/office/drawing/2014/main" id="{2C309E57-85D1-4166-B872-FD407D6F1483}"/>
-              </a:ext>
-            </a:extLst>
-          </p:cNvPr>
-          <p:cNvSpPr>
-            <a:spLocks noGrp="1"/>
-          </p:cNvSpPr>
-          <p:nvPr>
-            <p:ph idx="1"/>
-          </p:nvPr>
-        </p:nvSpPr>
-        <p:spPr>
-          <a:xfrm>
-            <a:off x="4975861" y="804671"/>
-            <a:ext cx="6399930" cy="5248657"/>
-          </a:xfrm>
-        </p:spPr>
-        <p:txBody>
-          <a:bodyPr anchor="ctr">
-            <a:normAutofit/>
-          </a:bodyPr>
-          <a:lstStyle/>
-          <a:p>
-            <a:pPr>
-              <a:buFont typeface="Wingdings" panose="05000000000000000000" pitchFamily="2" charset="2"/>
-              <a:buChar char="Ø"/>
-            </a:pPr>
-            <a:r>
-              <a:rPr lang="en-US" dirty="0"/>
-              <a:t>Problem Statement</a:t>
-            </a:r>
-          </a:p>
-          <a:p>
-            <a:pPr>
-              <a:buFont typeface="Wingdings" panose="05000000000000000000" pitchFamily="2" charset="2"/>
-              <a:buChar char="Ø"/>
-            </a:pPr>
-            <a:r>
-              <a:rPr lang="en-US" dirty="0"/>
-              <a:t>Introduction</a:t>
-            </a:r>
-          </a:p>
-          <a:p>
-            <a:pPr>
-              <a:buFont typeface="Wingdings" panose="05000000000000000000" pitchFamily="2" charset="2"/>
-              <a:buChar char="Ø"/>
-            </a:pPr>
-            <a:r>
-              <a:rPr lang="en-US" dirty="0"/>
-              <a:t>Objectives</a:t>
-            </a:r>
-          </a:p>
-          <a:p>
-            <a:pPr>
-              <a:buFont typeface="Wingdings" panose="05000000000000000000" pitchFamily="2" charset="2"/>
-              <a:buChar char="Ø"/>
-            </a:pPr>
-            <a:r>
-              <a:rPr lang="en-US" dirty="0"/>
-              <a:t>Dataset</a:t>
-            </a:r>
-          </a:p>
-          <a:p>
-            <a:pPr>
-              <a:buFont typeface="Wingdings" panose="05000000000000000000" pitchFamily="2" charset="2"/>
-              <a:buChar char="Ø"/>
-            </a:pPr>
-            <a:r>
-              <a:rPr lang="en-US" dirty="0"/>
-              <a:t>Data Source</a:t>
-            </a:r>
-          </a:p>
-          <a:p>
-            <a:pPr>
-              <a:buFont typeface="Wingdings" panose="05000000000000000000" pitchFamily="2" charset="2"/>
-              <a:buChar char="Ø"/>
-            </a:pPr>
-            <a:r>
-              <a:rPr lang="en-US" dirty="0"/>
-              <a:t>Factors</a:t>
-            </a:r>
-          </a:p>
-          <a:p>
-            <a:pPr>
-              <a:buFont typeface="Wingdings" panose="05000000000000000000" pitchFamily="2" charset="2"/>
-              <a:buChar char="Ø"/>
-            </a:pPr>
-            <a:r>
-              <a:rPr lang="en-US" dirty="0"/>
-              <a:t>Analytical Problem</a:t>
-            </a:r>
-          </a:p>
-          <a:p>
-            <a:pPr>
-              <a:buFont typeface="Wingdings" panose="05000000000000000000" pitchFamily="2" charset="2"/>
-              <a:buChar char="Ø"/>
-            </a:pPr>
-            <a:r>
-              <a:rPr lang="en-US" dirty="0"/>
-              <a:t>Ethical Concerns</a:t>
-            </a:r>
-          </a:p>
-          <a:p>
-            <a:pPr>
-              <a:buFont typeface="Wingdings" panose="05000000000000000000" pitchFamily="2" charset="2"/>
-              <a:buChar char="Ø"/>
-            </a:pPr>
-            <a:r>
-              <a:rPr lang="en-US" dirty="0"/>
-              <a:t>Challenges</a:t>
-            </a:r>
-          </a:p>
-        </p:txBody>
-      </p:sp>
-    </p:spTree>
-    <p:extLst>
-      <p:ext uri="{BB962C8B-B14F-4D97-AF65-F5344CB8AC3E}">
-        <p14:creationId xmlns:p14="http://schemas.microsoft.com/office/powerpoint/2010/main" val="3590222092"/>
-      </p:ext>
-    </p:extLst>
-  </p:cSld>
-  <p:clrMapOvr>
-    <a:masterClrMapping/>
-  </p:clrMapOvr>
-</p:sld>
-</file>
-
-<file path=ppt/slides/slide20.xml><?xml version="1.0" encoding="utf-8"?>
-<p:sld xmlns:a="http://schemas.openxmlformats.org/drawingml/2006/main" xmlns:r="http://schemas.openxmlformats.org/officeDocument/2006/relationships" xmlns:p="http://schemas.openxmlformats.org/presentationml/2006/main">
-  <p:cSld>
-    <p:bg>
-      <p:bgPr>
         <a:blipFill rotWithShape="1">
           <a:blip r:embed="rId2">
             <a:duotone>
@@ -39878,7 +38303,547 @@
 </p:sld>
 </file>
 
-<file path=ppt/slides/slide21.xml><?xml version="1.0" encoding="utf-8"?>
+<file path=ppt/slides/slide2.xml><?xml version="1.0" encoding="utf-8"?>
+<p:sld xmlns:a="http://schemas.openxmlformats.org/drawingml/2006/main" xmlns:r="http://schemas.openxmlformats.org/officeDocument/2006/relationships" xmlns:p="http://schemas.openxmlformats.org/presentationml/2006/main">
+  <p:cSld>
+    <p:bg>
+      <p:bgPr>
+        <a:blipFill rotWithShape="1">
+          <a:blip r:embed="rId2">
+            <a:duotone>
+              <a:schemeClr val="bg2">
+                <a:shade val="69000"/>
+                <a:hueMod val="108000"/>
+                <a:satMod val="164000"/>
+                <a:lumMod val="74000"/>
+              </a:schemeClr>
+              <a:schemeClr val="bg2">
+                <a:tint val="96000"/>
+                <a:hueMod val="88000"/>
+                <a:satMod val="140000"/>
+                <a:lumMod val="132000"/>
+              </a:schemeClr>
+            </a:duotone>
+          </a:blip>
+          <a:stretch/>
+        </a:blipFill>
+        <a:effectLst/>
+      </p:bgPr>
+    </p:bg>
+    <p:spTree>
+      <p:nvGrpSpPr>
+        <p:cNvPr id="1" name=""/>
+        <p:cNvGrpSpPr/>
+        <p:nvPr/>
+      </p:nvGrpSpPr>
+      <p:grpSpPr>
+        <a:xfrm>
+          <a:off x="0" y="0"/>
+          <a:ext cx="0" cy="0"/>
+          <a:chOff x="0" y="0"/>
+          <a:chExt cx="0" cy="0"/>
+        </a:xfrm>
+      </p:grpSpPr>
+      <p:sp>
+        <p:nvSpPr>
+          <p:cNvPr id="8" name="Rectangle 7">
+            <a:extLst>
+              <a:ext uri="{FF2B5EF4-FFF2-40B4-BE49-F238E27FC236}">
+                <a16:creationId xmlns:a16="http://schemas.microsoft.com/office/drawing/2014/main" id="{923E8915-D2AA-4327-A45A-972C3CA9574B}"/>
+              </a:ext>
+              <a:ext uri="{C183D7F6-B498-43B3-948B-1728B52AA6E4}">
+                <adec:decorative xmlns:adec="http://schemas.microsoft.com/office/drawing/2017/decorative" val="1"/>
+              </a:ext>
+            </a:extLst>
+          </p:cNvPr>
+          <p:cNvSpPr>
+            <a:spLocks noGrp="1" noRot="1" noChangeAspect="1" noMove="1" noResize="1" noEditPoints="1" noAdjustHandles="1" noChangeArrowheads="1" noChangeShapeType="1" noTextEdit="1"/>
+          </p:cNvSpPr>
+          <p:nvPr>
+            <p:extLst>
+              <p:ext uri="{386F3935-93C4-4BCD-93E2-E3B085C9AB24}">
+                <p16:designElem xmlns:p16="http://schemas.microsoft.com/office/powerpoint/2015/main" val="1"/>
+              </p:ext>
+            </p:extLst>
+          </p:nvPr>
+        </p:nvSpPr>
+        <p:spPr>
+          <a:xfrm>
+            <a:off x="0" y="0"/>
+            <a:ext cx="12192000" cy="6858000"/>
+          </a:xfrm>
+          <a:prstGeom prst="rect">
+            <a:avLst/>
+          </a:prstGeom>
+          <a:solidFill>
+            <a:schemeClr val="tx1"/>
+          </a:solidFill>
+          <a:ln>
+            <a:noFill/>
+          </a:ln>
+        </p:spPr>
+        <p:style>
+          <a:lnRef idx="2">
+            <a:schemeClr val="accent1">
+              <a:shade val="50000"/>
+            </a:schemeClr>
+          </a:lnRef>
+          <a:fillRef idx="1">
+            <a:schemeClr val="accent1"/>
+          </a:fillRef>
+          <a:effectRef idx="0">
+            <a:schemeClr val="accent1"/>
+          </a:effectRef>
+          <a:fontRef idx="minor">
+            <a:schemeClr val="lt1"/>
+          </a:fontRef>
+        </p:style>
+        <p:txBody>
+          <a:bodyPr rtlCol="0" anchor="ctr"/>
+          <a:lstStyle/>
+          <a:p>
+            <a:pPr algn="ctr"/>
+            <a:endParaRPr lang="en-US"/>
+          </a:p>
+        </p:txBody>
+      </p:sp>
+      <p:sp useBgFill="1">
+        <p:nvSpPr>
+          <p:cNvPr id="25" name="Rectangle 9">
+            <a:extLst>
+              <a:ext uri="{FF2B5EF4-FFF2-40B4-BE49-F238E27FC236}">
+                <a16:creationId xmlns:a16="http://schemas.microsoft.com/office/drawing/2014/main" id="{8302FC3C-9804-4950-B721-5FD704BA6065}"/>
+              </a:ext>
+              <a:ext uri="{C183D7F6-B498-43B3-948B-1728B52AA6E4}">
+                <adec:decorative xmlns:adec="http://schemas.microsoft.com/office/drawing/2017/decorative" val="1"/>
+              </a:ext>
+            </a:extLst>
+          </p:cNvPr>
+          <p:cNvSpPr>
+            <a:spLocks noGrp="1" noRot="1" noChangeAspect="1" noMove="1" noResize="1" noEditPoints="1" noAdjustHandles="1" noChangeArrowheads="1" noChangeShapeType="1" noTextEdit="1"/>
+          </p:cNvSpPr>
+          <p:nvPr>
+            <p:extLst>
+              <p:ext uri="{386F3935-93C4-4BCD-93E2-E3B085C9AB24}">
+                <p16:designElem xmlns:p16="http://schemas.microsoft.com/office/powerpoint/2015/main" val="1"/>
+              </p:ext>
+            </p:extLst>
+          </p:nvPr>
+        </p:nvSpPr>
+        <p:spPr bwMode="ltGray">
+          <a:xfrm>
+            <a:off x="0" y="0"/>
+            <a:ext cx="12188952" cy="6858000"/>
+          </a:xfrm>
+          <a:prstGeom prst="rect">
+            <a:avLst/>
+          </a:prstGeom>
+          <a:ln w="127000" cap="sq" cmpd="thinThick">
+            <a:noFill/>
+          </a:ln>
+        </p:spPr>
+        <p:style>
+          <a:lnRef idx="2">
+            <a:schemeClr val="accent1">
+              <a:shade val="50000"/>
+            </a:schemeClr>
+          </a:lnRef>
+          <a:fillRef idx="1">
+            <a:schemeClr val="accent1"/>
+          </a:fillRef>
+          <a:effectRef idx="0">
+            <a:schemeClr val="accent1"/>
+          </a:effectRef>
+          <a:fontRef idx="minor">
+            <a:schemeClr val="lt1"/>
+          </a:fontRef>
+        </p:style>
+        <p:txBody>
+          <a:bodyPr rtlCol="0" anchor="ctr"/>
+          <a:lstStyle/>
+          <a:p>
+            <a:pPr algn="ctr"/>
+            <a:endParaRPr lang="en-US"/>
+          </a:p>
+        </p:txBody>
+      </p:sp>
+      <p:cxnSp>
+        <p:nvCxnSpPr>
+          <p:cNvPr id="26" name="Straight Connector 11">
+            <a:extLst>
+              <a:ext uri="{FF2B5EF4-FFF2-40B4-BE49-F238E27FC236}">
+                <a16:creationId xmlns:a16="http://schemas.microsoft.com/office/drawing/2014/main" id="{6B9695BD-ECF6-49CA-8877-8C493193C65D}"/>
+              </a:ext>
+              <a:ext uri="{C183D7F6-B498-43B3-948B-1728B52AA6E4}">
+                <adec:decorative xmlns:adec="http://schemas.microsoft.com/office/drawing/2017/decorative" val="1"/>
+              </a:ext>
+            </a:extLst>
+          </p:cNvPr>
+          <p:cNvCxnSpPr>
+            <a:cxnSpLocks noGrp="1" noRot="1" noChangeAspect="1" noMove="1" noResize="1" noEditPoints="1" noAdjustHandles="1" noChangeArrowheads="1" noChangeShapeType="1"/>
+          </p:cNvCxnSpPr>
+          <p:nvPr>
+            <p:extLst>
+              <p:ext uri="{386F3935-93C4-4BCD-93E2-E3B085C9AB24}">
+                <p16:designElem xmlns:p16="http://schemas.microsoft.com/office/powerpoint/2015/main" val="1"/>
+              </p:ext>
+            </p:extLst>
+          </p:nvPr>
+        </p:nvCxnSpPr>
+        <p:spPr>
+          <a:xfrm>
+            <a:off x="4654295" y="1828800"/>
+            <a:ext cx="0" cy="3200400"/>
+          </a:xfrm>
+          <a:prstGeom prst="line">
+            <a:avLst/>
+          </a:prstGeom>
+          <a:ln w="19050">
+            <a:solidFill>
+              <a:schemeClr val="bg2">
+                <a:lumMod val="60000"/>
+                <a:lumOff val="40000"/>
+              </a:schemeClr>
+            </a:solidFill>
+          </a:ln>
+        </p:spPr>
+        <p:style>
+          <a:lnRef idx="1">
+            <a:schemeClr val="accent1"/>
+          </a:lnRef>
+          <a:fillRef idx="0">
+            <a:schemeClr val="accent1"/>
+          </a:fillRef>
+          <a:effectRef idx="0">
+            <a:schemeClr val="accent1"/>
+          </a:effectRef>
+          <a:fontRef idx="minor">
+            <a:schemeClr val="tx1"/>
+          </a:fontRef>
+        </p:style>
+      </p:cxnSp>
+      <p:pic>
+        <p:nvPicPr>
+          <p:cNvPr id="27" name="Picture 13">
+            <a:extLst>
+              <a:ext uri="{FF2B5EF4-FFF2-40B4-BE49-F238E27FC236}">
+                <a16:creationId xmlns:a16="http://schemas.microsoft.com/office/drawing/2014/main" id="{3BC6EBB2-9BDC-4075-BA6B-43A9FBF9C86C}"/>
+              </a:ext>
+              <a:ext uri="{C183D7F6-B498-43B3-948B-1728B52AA6E4}">
+                <adec:decorative xmlns:adec="http://schemas.microsoft.com/office/drawing/2017/decorative" val="1"/>
+              </a:ext>
+            </a:extLst>
+          </p:cNvPr>
+          <p:cNvPicPr>
+            <a:picLocks noGrp="1" noRot="1" noChangeAspect="1" noMove="1" noResize="1" noEditPoints="1" noAdjustHandles="1" noChangeArrowheads="1" noChangeShapeType="1" noCrop="1"/>
+          </p:cNvPicPr>
+          <p:nvPr>
+            <p:extLst>
+              <p:ext uri="{386F3935-93C4-4BCD-93E2-E3B085C9AB24}">
+                <p16:designElem xmlns:p16="http://schemas.microsoft.com/office/powerpoint/2015/main" val="1"/>
+              </p:ext>
+            </p:extLst>
+          </p:nvPr>
+        </p:nvPicPr>
+        <p:blipFill rotWithShape="1">
+          <a:blip r:embed="rId3">
+            <a:extLst>
+              <a:ext uri="{28A0092B-C50C-407E-A947-70E740481C1C}">
+                <a14:useLocalDpi xmlns:a14="http://schemas.microsoft.com/office/drawing/2010/main" val="0"/>
+              </a:ext>
+            </a:extLst>
+          </a:blip>
+          <a:srcRect b="23320"/>
+          <a:stretch/>
+        </p:blipFill>
+        <p:spPr>
+          <a:xfrm>
+            <a:off x="8605878" y="6228080"/>
+            <a:ext cx="993734" cy="762000"/>
+          </a:xfrm>
+          <a:prstGeom prst="rect">
+            <a:avLst/>
+          </a:prstGeom>
+        </p:spPr>
+      </p:pic>
+      <p:sp>
+        <p:nvSpPr>
+          <p:cNvPr id="16" name="Freeform 5">
+            <a:extLst>
+              <a:ext uri="{FF2B5EF4-FFF2-40B4-BE49-F238E27FC236}">
+                <a16:creationId xmlns:a16="http://schemas.microsoft.com/office/drawing/2014/main" id="{F3798573-F27B-47EB-8EA4-7EE34954C2D6}"/>
+              </a:ext>
+              <a:ext uri="{C183D7F6-B498-43B3-948B-1728B52AA6E4}">
+                <adec:decorative xmlns:adec="http://schemas.microsoft.com/office/drawing/2017/decorative" val="1"/>
+              </a:ext>
+            </a:extLst>
+          </p:cNvPr>
+          <p:cNvSpPr>
+            <a:spLocks noGrp="1" noRot="1" noChangeAspect="1" noMove="1" noResize="1" noEditPoints="1" noAdjustHandles="1" noChangeArrowheads="1" noChangeShapeType="1" noTextEdit="1"/>
+          </p:cNvSpPr>
+          <p:nvPr>
+            <p:extLst>
+              <p:ext uri="{386F3935-93C4-4BCD-93E2-E3B085C9AB24}">
+                <p16:designElem xmlns:p16="http://schemas.microsoft.com/office/powerpoint/2015/main" val="1"/>
+              </p:ext>
+            </p:extLst>
+          </p:nvPr>
+        </p:nvSpPr>
+        <p:spPr bwMode="gray">
+          <a:xfrm>
+            <a:off x="-1588" y="0"/>
+            <a:ext cx="12192000" cy="6856413"/>
+          </a:xfrm>
+          <a:custGeom>
+            <a:avLst/>
+            <a:gdLst/>
+            <a:ahLst/>
+            <a:cxnLst/>
+            <a:rect l="0" t="0" r="r" b="b"/>
+            <a:pathLst>
+              <a:path w="15356" h="8638">
+                <a:moveTo>
+                  <a:pt x="0" y="0"/>
+                </a:moveTo>
+                <a:lnTo>
+                  <a:pt x="0" y="8638"/>
+                </a:lnTo>
+                <a:lnTo>
+                  <a:pt x="15356" y="8638"/>
+                </a:lnTo>
+                <a:lnTo>
+                  <a:pt x="15356" y="0"/>
+                </a:lnTo>
+                <a:lnTo>
+                  <a:pt x="0" y="0"/>
+                </a:lnTo>
+                <a:close/>
+                <a:moveTo>
+                  <a:pt x="14748" y="8038"/>
+                </a:moveTo>
+                <a:lnTo>
+                  <a:pt x="600" y="8038"/>
+                </a:lnTo>
+                <a:lnTo>
+                  <a:pt x="600" y="592"/>
+                </a:lnTo>
+                <a:lnTo>
+                  <a:pt x="14748" y="592"/>
+                </a:lnTo>
+                <a:lnTo>
+                  <a:pt x="14748" y="8038"/>
+                </a:lnTo>
+                <a:close/>
+              </a:path>
+            </a:pathLst>
+          </a:custGeom>
+          <a:solidFill>
+            <a:schemeClr val="tx1"/>
+          </a:solidFill>
+          <a:ln>
+            <a:noFill/>
+          </a:ln>
+        </p:spPr>
+      </p:sp>
+      <p:sp>
+        <p:nvSpPr>
+          <p:cNvPr id="2" name="Title 1">
+            <a:extLst>
+              <a:ext uri="{FF2B5EF4-FFF2-40B4-BE49-F238E27FC236}">
+                <a16:creationId xmlns:a16="http://schemas.microsoft.com/office/drawing/2014/main" id="{7409709F-F544-4E09-90BD-4CD5412954DC}"/>
+              </a:ext>
+            </a:extLst>
+          </p:cNvPr>
+          <p:cNvSpPr>
+            <a:spLocks noGrp="1"/>
+          </p:cNvSpPr>
+          <p:nvPr>
+            <p:ph type="title"/>
+          </p:nvPr>
+        </p:nvSpPr>
+        <p:spPr>
+          <a:xfrm>
+            <a:off x="806195" y="804672"/>
+            <a:ext cx="3521359" cy="5248656"/>
+          </a:xfrm>
+        </p:spPr>
+        <p:txBody>
+          <a:bodyPr anchor="ctr">
+            <a:normAutofit/>
+          </a:bodyPr>
+          <a:lstStyle/>
+          <a:p>
+            <a:pPr algn="ctr"/>
+            <a:r>
+              <a:rPr lang="en-US"/>
+              <a:t>OVERVIEW</a:t>
+            </a:r>
+          </a:p>
+        </p:txBody>
+      </p:sp>
+      <p:sp>
+        <p:nvSpPr>
+          <p:cNvPr id="3" name="Content Placeholder 2">
+            <a:extLst>
+              <a:ext uri="{FF2B5EF4-FFF2-40B4-BE49-F238E27FC236}">
+                <a16:creationId xmlns:a16="http://schemas.microsoft.com/office/drawing/2014/main" id="{2C309E57-85D1-4166-B872-FD407D6F1483}"/>
+              </a:ext>
+            </a:extLst>
+          </p:cNvPr>
+          <p:cNvSpPr>
+            <a:spLocks noGrp="1"/>
+          </p:cNvSpPr>
+          <p:nvPr>
+            <p:ph idx="1"/>
+          </p:nvPr>
+        </p:nvSpPr>
+        <p:spPr>
+          <a:xfrm>
+            <a:off x="4975861" y="804671"/>
+            <a:ext cx="6399930" cy="5248657"/>
+          </a:xfrm>
+        </p:spPr>
+        <p:txBody>
+          <a:bodyPr anchor="ctr">
+            <a:normAutofit/>
+          </a:bodyPr>
+          <a:lstStyle/>
+          <a:p>
+            <a:pPr>
+              <a:buFont typeface="Wingdings" panose="05000000000000000000" pitchFamily="2" charset="2"/>
+              <a:buChar char="Ø"/>
+            </a:pPr>
+            <a:r>
+              <a:rPr lang="en-US" dirty="0"/>
+              <a:t>Problem Statement</a:t>
+            </a:r>
+          </a:p>
+          <a:p>
+            <a:pPr>
+              <a:buFont typeface="Wingdings" panose="05000000000000000000" pitchFamily="2" charset="2"/>
+              <a:buChar char="Ø"/>
+            </a:pPr>
+            <a:r>
+              <a:rPr lang="en-US" dirty="0"/>
+              <a:t>Introduction</a:t>
+            </a:r>
+          </a:p>
+          <a:p>
+            <a:pPr>
+              <a:buFont typeface="Wingdings" panose="05000000000000000000" pitchFamily="2" charset="2"/>
+              <a:buChar char="Ø"/>
+            </a:pPr>
+            <a:r>
+              <a:rPr lang="en-US" dirty="0"/>
+              <a:t>Objectives</a:t>
+            </a:r>
+          </a:p>
+          <a:p>
+            <a:pPr>
+              <a:buFont typeface="Wingdings" panose="05000000000000000000" pitchFamily="2" charset="2"/>
+              <a:buChar char="Ø"/>
+            </a:pPr>
+            <a:r>
+              <a:rPr lang="en-US" dirty="0"/>
+              <a:t>Dataset</a:t>
+            </a:r>
+          </a:p>
+          <a:p>
+            <a:pPr>
+              <a:buFont typeface="Wingdings" panose="05000000000000000000" pitchFamily="2" charset="2"/>
+              <a:buChar char="Ø"/>
+            </a:pPr>
+            <a:r>
+              <a:rPr lang="en-US" dirty="0"/>
+              <a:t>Data Source</a:t>
+            </a:r>
+          </a:p>
+          <a:p>
+            <a:pPr>
+              <a:buFont typeface="Wingdings" panose="05000000000000000000" pitchFamily="2" charset="2"/>
+              <a:buChar char="Ø"/>
+            </a:pPr>
+            <a:r>
+              <a:rPr lang="en-US" dirty="0"/>
+              <a:t>Factors</a:t>
+            </a:r>
+          </a:p>
+          <a:p>
+            <a:pPr>
+              <a:buFont typeface="Wingdings" panose="05000000000000000000" pitchFamily="2" charset="2"/>
+              <a:buChar char="Ø"/>
+            </a:pPr>
+            <a:r>
+              <a:rPr lang="en-US" dirty="0"/>
+              <a:t>Analytical Problem</a:t>
+            </a:r>
+          </a:p>
+          <a:p>
+            <a:pPr>
+              <a:buFont typeface="Wingdings" panose="05000000000000000000" pitchFamily="2" charset="2"/>
+              <a:buChar char="Ø"/>
+            </a:pPr>
+            <a:r>
+              <a:rPr lang="en-US" dirty="0"/>
+              <a:t>Ethical Concerns</a:t>
+            </a:r>
+          </a:p>
+          <a:p>
+            <a:pPr>
+              <a:buFont typeface="Wingdings" panose="05000000000000000000" pitchFamily="2" charset="2"/>
+              <a:buChar char="Ø"/>
+            </a:pPr>
+            <a:r>
+              <a:rPr lang="en-US" dirty="0"/>
+              <a:t>Methodology</a:t>
+            </a:r>
+          </a:p>
+          <a:p>
+            <a:pPr>
+              <a:buFont typeface="Wingdings" panose="05000000000000000000" pitchFamily="2" charset="2"/>
+              <a:buChar char="Ø"/>
+            </a:pPr>
+            <a:r>
+              <a:rPr lang="en-US" dirty="0"/>
+              <a:t>Challenges</a:t>
+            </a:r>
+          </a:p>
+          <a:p>
+            <a:pPr>
+              <a:buFont typeface="Wingdings" panose="05000000000000000000" pitchFamily="2" charset="2"/>
+              <a:buChar char="Ø"/>
+            </a:pPr>
+            <a:r>
+              <a:rPr lang="en-US" dirty="0"/>
+              <a:t>Project Contribution</a:t>
+            </a:r>
+          </a:p>
+          <a:p>
+            <a:pPr>
+              <a:buFont typeface="Wingdings" panose="05000000000000000000" pitchFamily="2" charset="2"/>
+              <a:buChar char="Ø"/>
+            </a:pPr>
+            <a:r>
+              <a:rPr lang="en-US" dirty="0"/>
+              <a:t>References</a:t>
+            </a:r>
+          </a:p>
+        </p:txBody>
+      </p:sp>
+    </p:spTree>
+    <p:extLst>
+      <p:ext uri="{BB962C8B-B14F-4D97-AF65-F5344CB8AC3E}">
+        <p14:creationId xmlns:p14="http://schemas.microsoft.com/office/powerpoint/2010/main" val="3590222092"/>
+      </p:ext>
+    </p:extLst>
+  </p:cSld>
+  <p:clrMapOvr>
+    <a:masterClrMapping/>
+  </p:clrMapOvr>
+</p:sld>
+</file>
+
+<file path=ppt/slides/slide20.xml><?xml version="1.0" encoding="utf-8"?>
 <p:sld xmlns:a="http://schemas.openxmlformats.org/drawingml/2006/main" xmlns:r="http://schemas.openxmlformats.org/officeDocument/2006/relationships" xmlns:p="http://schemas.openxmlformats.org/presentationml/2006/main">
   <p:cSld>
     <p:bg>
@@ -42546,6 +41511,1071 @@
 </p:sld>
 </file>
 
+<file path=ppt/slides/slide21.xml><?xml version="1.0" encoding="utf-8"?>
+<p:sld xmlns:a="http://schemas.openxmlformats.org/drawingml/2006/main" xmlns:r="http://schemas.openxmlformats.org/officeDocument/2006/relationships" xmlns:p="http://schemas.openxmlformats.org/presentationml/2006/main">
+  <p:cSld>
+    <p:bg>
+      <p:bgPr>
+        <a:solidFill>
+          <a:schemeClr val="bg1"/>
+        </a:solidFill>
+        <a:effectLst/>
+      </p:bgPr>
+    </p:bg>
+    <p:spTree>
+      <p:nvGrpSpPr>
+        <p:cNvPr id="1" name=""/>
+        <p:cNvGrpSpPr/>
+        <p:nvPr/>
+      </p:nvGrpSpPr>
+      <p:grpSpPr>
+        <a:xfrm>
+          <a:off x="0" y="0"/>
+          <a:ext cx="0" cy="0"/>
+          <a:chOff x="0" y="0"/>
+          <a:chExt cx="0" cy="0"/>
+        </a:xfrm>
+      </p:grpSpPr>
+      <p:sp>
+        <p:nvSpPr>
+          <p:cNvPr id="10" name="Rectangle 9">
+            <a:extLst>
+              <a:ext uri="{FF2B5EF4-FFF2-40B4-BE49-F238E27FC236}">
+                <a16:creationId xmlns:a16="http://schemas.microsoft.com/office/drawing/2014/main" id="{4E78424C-6FD0-41F8-9CAA-5DC19C42359F}"/>
+              </a:ext>
+              <a:ext uri="{C183D7F6-B498-43B3-948B-1728B52AA6E4}">
+                <adec:decorative xmlns:adec="http://schemas.microsoft.com/office/drawing/2017/decorative" val="1"/>
+              </a:ext>
+            </a:extLst>
+          </p:cNvPr>
+          <p:cNvSpPr>
+            <a:spLocks noGrp="1" noRot="1" noChangeAspect="1" noMove="1" noResize="1" noEditPoints="1" noAdjustHandles="1" noChangeArrowheads="1" noChangeShapeType="1" noTextEdit="1"/>
+          </p:cNvSpPr>
+          <p:nvPr>
+            <p:extLst>
+              <p:ext uri="{386F3935-93C4-4BCD-93E2-E3B085C9AB24}">
+                <p16:designElem xmlns:p16="http://schemas.microsoft.com/office/powerpoint/2015/main" val="1"/>
+              </p:ext>
+            </p:extLst>
+          </p:nvPr>
+        </p:nvSpPr>
+        <p:spPr>
+          <a:xfrm>
+            <a:off x="0" y="-1"/>
+            <a:ext cx="12192000" cy="6858001"/>
+          </a:xfrm>
+          <a:prstGeom prst="rect">
+            <a:avLst/>
+          </a:prstGeom>
+          <a:ln>
+            <a:noFill/>
+          </a:ln>
+        </p:spPr>
+        <p:style>
+          <a:lnRef idx="2">
+            <a:schemeClr val="accent1">
+              <a:shade val="50000"/>
+            </a:schemeClr>
+          </a:lnRef>
+          <a:fillRef idx="1003">
+            <a:schemeClr val="dk2"/>
+          </a:fillRef>
+          <a:effectRef idx="0">
+            <a:schemeClr val="accent1"/>
+          </a:effectRef>
+          <a:fontRef idx="minor">
+            <a:schemeClr val="lt1"/>
+          </a:fontRef>
+        </p:style>
+        <p:txBody>
+          <a:bodyPr rtlCol="0" anchor="ctr"/>
+          <a:lstStyle/>
+          <a:p>
+            <a:pPr algn="ctr"/>
+            <a:endParaRPr lang="en-US"/>
+          </a:p>
+        </p:txBody>
+      </p:sp>
+      <p:sp>
+        <p:nvSpPr>
+          <p:cNvPr id="2" name="Title 1">
+            <a:extLst>
+              <a:ext uri="{FF2B5EF4-FFF2-40B4-BE49-F238E27FC236}">
+                <a16:creationId xmlns:a16="http://schemas.microsoft.com/office/drawing/2014/main" id="{0F64ED3A-CCD1-4A59-9A6B-6433A3A7FDFE}"/>
+              </a:ext>
+            </a:extLst>
+          </p:cNvPr>
+          <p:cNvSpPr>
+            <a:spLocks noGrp="1"/>
+          </p:cNvSpPr>
+          <p:nvPr>
+            <p:ph type="title"/>
+          </p:nvPr>
+        </p:nvSpPr>
+        <p:spPr>
+          <a:xfrm>
+            <a:off x="643855" y="1447800"/>
+            <a:ext cx="3108626" cy="4572000"/>
+          </a:xfrm>
+        </p:spPr>
+        <p:txBody>
+          <a:bodyPr anchor="ctr">
+            <a:normAutofit/>
+          </a:bodyPr>
+          <a:lstStyle/>
+          <a:p>
+            <a:r>
+              <a:rPr lang="en-US" sz="3200">
+                <a:solidFill>
+                  <a:srgbClr val="F2F2F2"/>
+                </a:solidFill>
+              </a:rPr>
+              <a:t>REFERENCES</a:t>
+            </a:r>
+          </a:p>
+        </p:txBody>
+      </p:sp>
+      <p:sp>
+        <p:nvSpPr>
+          <p:cNvPr id="12" name="Freeform: Shape 11">
+            <a:extLst>
+              <a:ext uri="{FF2B5EF4-FFF2-40B4-BE49-F238E27FC236}">
+                <a16:creationId xmlns:a16="http://schemas.microsoft.com/office/drawing/2014/main" id="{DD136760-57DC-4301-8BEA-B71AD2D13905}"/>
+              </a:ext>
+              <a:ext uri="{C183D7F6-B498-43B3-948B-1728B52AA6E4}">
+                <adec:decorative xmlns:adec="http://schemas.microsoft.com/office/drawing/2017/decorative" val="1"/>
+              </a:ext>
+            </a:extLst>
+          </p:cNvPr>
+          <p:cNvSpPr>
+            <a:spLocks noGrp="1" noRot="1" noChangeAspect="1" noMove="1" noResize="1" noEditPoints="1" noAdjustHandles="1" noChangeArrowheads="1" noChangeShapeType="1" noTextEdit="1"/>
+          </p:cNvSpPr>
+          <p:nvPr>
+            <p:extLst>
+              <p:ext uri="{386F3935-93C4-4BCD-93E2-E3B085C9AB24}">
+                <p16:designElem xmlns:p16="http://schemas.microsoft.com/office/powerpoint/2015/main" val="1"/>
+              </p:ext>
+            </p:extLst>
+          </p:nvPr>
+        </p:nvSpPr>
+        <p:spPr>
+          <a:xfrm>
+            <a:off x="4161310" y="0"/>
+            <a:ext cx="8030690" cy="6858000"/>
+          </a:xfrm>
+          <a:custGeom>
+            <a:avLst/>
+            <a:gdLst>
+              <a:gd name="connsiteX0" fmla="*/ 1176 w 8030690"/>
+              <a:gd name="connsiteY0" fmla="*/ 0 h 6858000"/>
+              <a:gd name="connsiteX1" fmla="*/ 1344715 w 8030690"/>
+              <a:gd name="connsiteY1" fmla="*/ 0 h 6858000"/>
+              <a:gd name="connsiteX2" fmla="*/ 1344715 w 8030690"/>
+              <a:gd name="connsiteY2" fmla="*/ 0 h 6858000"/>
+              <a:gd name="connsiteX3" fmla="*/ 8030690 w 8030690"/>
+              <a:gd name="connsiteY3" fmla="*/ 0 h 6858000"/>
+              <a:gd name="connsiteX4" fmla="*/ 8030690 w 8030690"/>
+              <a:gd name="connsiteY4" fmla="*/ 6858000 h 6858000"/>
+              <a:gd name="connsiteX5" fmla="*/ 477746 w 8030690"/>
+              <a:gd name="connsiteY5" fmla="*/ 6858000 h 6858000"/>
+              <a:gd name="connsiteX6" fmla="*/ 477746 w 8030690"/>
+              <a:gd name="connsiteY6" fmla="*/ 6858000 h 6858000"/>
+              <a:gd name="connsiteX7" fmla="*/ 0 w 8030690"/>
+              <a:gd name="connsiteY7" fmla="*/ 6858000 h 6858000"/>
+              <a:gd name="connsiteX8" fmla="*/ 5883 w 8030690"/>
+              <a:gd name="connsiteY8" fmla="*/ 6817538 h 6858000"/>
+              <a:gd name="connsiteX9" fmla="*/ 23196 w 8030690"/>
+              <a:gd name="connsiteY9" fmla="*/ 6698894 h 6858000"/>
+              <a:gd name="connsiteX10" fmla="*/ 35298 w 8030690"/>
+              <a:gd name="connsiteY10" fmla="*/ 6612483 h 6858000"/>
+              <a:gd name="connsiteX11" fmla="*/ 48073 w 8030690"/>
+              <a:gd name="connsiteY11" fmla="*/ 6509613 h 6858000"/>
+              <a:gd name="connsiteX12" fmla="*/ 63369 w 8030690"/>
+              <a:gd name="connsiteY12" fmla="*/ 6387541 h 6858000"/>
+              <a:gd name="connsiteX13" fmla="*/ 79506 w 8030690"/>
+              <a:gd name="connsiteY13" fmla="*/ 6252438 h 6858000"/>
+              <a:gd name="connsiteX14" fmla="*/ 96483 w 8030690"/>
+              <a:gd name="connsiteY14" fmla="*/ 6100191 h 6858000"/>
+              <a:gd name="connsiteX15" fmla="*/ 114468 w 8030690"/>
+              <a:gd name="connsiteY15" fmla="*/ 5934227 h 6858000"/>
+              <a:gd name="connsiteX16" fmla="*/ 132454 w 8030690"/>
+              <a:gd name="connsiteY16" fmla="*/ 5753862 h 6858000"/>
+              <a:gd name="connsiteX17" fmla="*/ 150775 w 8030690"/>
+              <a:gd name="connsiteY17" fmla="*/ 5561838 h 6858000"/>
+              <a:gd name="connsiteX18" fmla="*/ 167752 w 8030690"/>
+              <a:gd name="connsiteY18" fmla="*/ 5354726 h 6858000"/>
+              <a:gd name="connsiteX19" fmla="*/ 184057 w 8030690"/>
+              <a:gd name="connsiteY19" fmla="*/ 5138013 h 6858000"/>
+              <a:gd name="connsiteX20" fmla="*/ 198849 w 8030690"/>
+              <a:gd name="connsiteY20" fmla="*/ 4908956 h 6858000"/>
+              <a:gd name="connsiteX21" fmla="*/ 212968 w 8030690"/>
+              <a:gd name="connsiteY21" fmla="*/ 4670298 h 6858000"/>
+              <a:gd name="connsiteX22" fmla="*/ 226248 w 8030690"/>
+              <a:gd name="connsiteY22" fmla="*/ 4421352 h 6858000"/>
+              <a:gd name="connsiteX23" fmla="*/ 230954 w 8030690"/>
+              <a:gd name="connsiteY23" fmla="*/ 4293793 h 6858000"/>
+              <a:gd name="connsiteX24" fmla="*/ 236165 w 8030690"/>
+              <a:gd name="connsiteY24" fmla="*/ 4163491 h 6858000"/>
+              <a:gd name="connsiteX25" fmla="*/ 241039 w 8030690"/>
+              <a:gd name="connsiteY25" fmla="*/ 4031132 h 6858000"/>
+              <a:gd name="connsiteX26" fmla="*/ 244233 w 8030690"/>
+              <a:gd name="connsiteY26" fmla="*/ 3898087 h 6858000"/>
+              <a:gd name="connsiteX27" fmla="*/ 247091 w 8030690"/>
+              <a:gd name="connsiteY27" fmla="*/ 3762298 h 6858000"/>
+              <a:gd name="connsiteX28" fmla="*/ 250116 w 8030690"/>
+              <a:gd name="connsiteY28" fmla="*/ 3625138 h 6858000"/>
+              <a:gd name="connsiteX29" fmla="*/ 252133 w 8030690"/>
+              <a:gd name="connsiteY29" fmla="*/ 3485235 h 6858000"/>
+              <a:gd name="connsiteX30" fmla="*/ 252133 w 8030690"/>
+              <a:gd name="connsiteY30" fmla="*/ 3343960 h 6858000"/>
+              <a:gd name="connsiteX31" fmla="*/ 253142 w 8030690"/>
+              <a:gd name="connsiteY31" fmla="*/ 3201314 h 6858000"/>
+              <a:gd name="connsiteX32" fmla="*/ 252133 w 8030690"/>
+              <a:gd name="connsiteY32" fmla="*/ 3057296 h 6858000"/>
+              <a:gd name="connsiteX33" fmla="*/ 250116 w 8030690"/>
+              <a:gd name="connsiteY33" fmla="*/ 2911221 h 6858000"/>
+              <a:gd name="connsiteX34" fmla="*/ 248267 w 8030690"/>
+              <a:gd name="connsiteY34" fmla="*/ 2765145 h 6858000"/>
+              <a:gd name="connsiteX35" fmla="*/ 244233 w 8030690"/>
+              <a:gd name="connsiteY35" fmla="*/ 2617013 h 6858000"/>
+              <a:gd name="connsiteX36" fmla="*/ 240031 w 8030690"/>
+              <a:gd name="connsiteY36" fmla="*/ 2467508 h 6858000"/>
+              <a:gd name="connsiteX37" fmla="*/ 235156 w 8030690"/>
+              <a:gd name="connsiteY37" fmla="*/ 2318004 h 6858000"/>
+              <a:gd name="connsiteX38" fmla="*/ 228265 w 8030690"/>
+              <a:gd name="connsiteY38" fmla="*/ 2167128 h 6858000"/>
+              <a:gd name="connsiteX39" fmla="*/ 220028 w 8030690"/>
+              <a:gd name="connsiteY39" fmla="*/ 2014880 h 6858000"/>
+              <a:gd name="connsiteX40" fmla="*/ 212128 w 8030690"/>
+              <a:gd name="connsiteY40" fmla="*/ 1861947 h 6858000"/>
+              <a:gd name="connsiteX41" fmla="*/ 202043 w 8030690"/>
+              <a:gd name="connsiteY41" fmla="*/ 1709013 h 6858000"/>
+              <a:gd name="connsiteX42" fmla="*/ 189940 w 8030690"/>
+              <a:gd name="connsiteY42" fmla="*/ 1554023 h 6858000"/>
+              <a:gd name="connsiteX43" fmla="*/ 177838 w 8030690"/>
+              <a:gd name="connsiteY43" fmla="*/ 1401089 h 6858000"/>
+              <a:gd name="connsiteX44" fmla="*/ 163886 w 8030690"/>
+              <a:gd name="connsiteY44" fmla="*/ 1245413 h 6858000"/>
+              <a:gd name="connsiteX45" fmla="*/ 148590 w 8030690"/>
+              <a:gd name="connsiteY45" fmla="*/ 1089050 h 6858000"/>
+              <a:gd name="connsiteX46" fmla="*/ 132454 w 8030690"/>
+              <a:gd name="connsiteY46" fmla="*/ 934745 h 6858000"/>
+              <a:gd name="connsiteX47" fmla="*/ 113628 w 8030690"/>
+              <a:gd name="connsiteY47" fmla="*/ 778383 h 6858000"/>
+              <a:gd name="connsiteX48" fmla="*/ 93457 w 8030690"/>
+              <a:gd name="connsiteY48" fmla="*/ 622706 h 6858000"/>
+              <a:gd name="connsiteX49" fmla="*/ 73454 w 8030690"/>
+              <a:gd name="connsiteY49" fmla="*/ 466344 h 6858000"/>
+              <a:gd name="connsiteX50" fmla="*/ 50090 w 8030690"/>
+              <a:gd name="connsiteY50" fmla="*/ 310667 h 6858000"/>
+              <a:gd name="connsiteX51" fmla="*/ 26222 w 8030690"/>
+              <a:gd name="connsiteY51" fmla="*/ 155676 h 6858000"/>
+            </a:gdLst>
+            <a:ahLst/>
+            <a:cxnLst>
+              <a:cxn ang="0">
+                <a:pos x="connsiteX0" y="connsiteY0"/>
+              </a:cxn>
+              <a:cxn ang="0">
+                <a:pos x="connsiteX1" y="connsiteY1"/>
+              </a:cxn>
+              <a:cxn ang="0">
+                <a:pos x="connsiteX2" y="connsiteY2"/>
+              </a:cxn>
+              <a:cxn ang="0">
+                <a:pos x="connsiteX3" y="connsiteY3"/>
+              </a:cxn>
+              <a:cxn ang="0">
+                <a:pos x="connsiteX4" y="connsiteY4"/>
+              </a:cxn>
+              <a:cxn ang="0">
+                <a:pos x="connsiteX5" y="connsiteY5"/>
+              </a:cxn>
+              <a:cxn ang="0">
+                <a:pos x="connsiteX6" y="connsiteY6"/>
+              </a:cxn>
+              <a:cxn ang="0">
+                <a:pos x="connsiteX7" y="connsiteY7"/>
+              </a:cxn>
+              <a:cxn ang="0">
+                <a:pos x="connsiteX8" y="connsiteY8"/>
+              </a:cxn>
+              <a:cxn ang="0">
+                <a:pos x="connsiteX9" y="connsiteY9"/>
+              </a:cxn>
+              <a:cxn ang="0">
+                <a:pos x="connsiteX10" y="connsiteY10"/>
+              </a:cxn>
+              <a:cxn ang="0">
+                <a:pos x="connsiteX11" y="connsiteY11"/>
+              </a:cxn>
+              <a:cxn ang="0">
+                <a:pos x="connsiteX12" y="connsiteY12"/>
+              </a:cxn>
+              <a:cxn ang="0">
+                <a:pos x="connsiteX13" y="connsiteY13"/>
+              </a:cxn>
+              <a:cxn ang="0">
+                <a:pos x="connsiteX14" y="connsiteY14"/>
+              </a:cxn>
+              <a:cxn ang="0">
+                <a:pos x="connsiteX15" y="connsiteY15"/>
+              </a:cxn>
+              <a:cxn ang="0">
+                <a:pos x="connsiteX16" y="connsiteY16"/>
+              </a:cxn>
+              <a:cxn ang="0">
+                <a:pos x="connsiteX17" y="connsiteY17"/>
+              </a:cxn>
+              <a:cxn ang="0">
+                <a:pos x="connsiteX18" y="connsiteY18"/>
+              </a:cxn>
+              <a:cxn ang="0">
+                <a:pos x="connsiteX19" y="connsiteY19"/>
+              </a:cxn>
+              <a:cxn ang="0">
+                <a:pos x="connsiteX20" y="connsiteY20"/>
+              </a:cxn>
+              <a:cxn ang="0">
+                <a:pos x="connsiteX21" y="connsiteY21"/>
+              </a:cxn>
+              <a:cxn ang="0">
+                <a:pos x="connsiteX22" y="connsiteY22"/>
+              </a:cxn>
+              <a:cxn ang="0">
+                <a:pos x="connsiteX23" y="connsiteY23"/>
+              </a:cxn>
+              <a:cxn ang="0">
+                <a:pos x="connsiteX24" y="connsiteY24"/>
+              </a:cxn>
+              <a:cxn ang="0">
+                <a:pos x="connsiteX25" y="connsiteY25"/>
+              </a:cxn>
+              <a:cxn ang="0">
+                <a:pos x="connsiteX26" y="connsiteY26"/>
+              </a:cxn>
+              <a:cxn ang="0">
+                <a:pos x="connsiteX27" y="connsiteY27"/>
+              </a:cxn>
+              <a:cxn ang="0">
+                <a:pos x="connsiteX28" y="connsiteY28"/>
+              </a:cxn>
+              <a:cxn ang="0">
+                <a:pos x="connsiteX29" y="connsiteY29"/>
+              </a:cxn>
+              <a:cxn ang="0">
+                <a:pos x="connsiteX30" y="connsiteY30"/>
+              </a:cxn>
+              <a:cxn ang="0">
+                <a:pos x="connsiteX31" y="connsiteY31"/>
+              </a:cxn>
+              <a:cxn ang="0">
+                <a:pos x="connsiteX32" y="connsiteY32"/>
+              </a:cxn>
+              <a:cxn ang="0">
+                <a:pos x="connsiteX33" y="connsiteY33"/>
+              </a:cxn>
+              <a:cxn ang="0">
+                <a:pos x="connsiteX34" y="connsiteY34"/>
+              </a:cxn>
+              <a:cxn ang="0">
+                <a:pos x="connsiteX35" y="connsiteY35"/>
+              </a:cxn>
+              <a:cxn ang="0">
+                <a:pos x="connsiteX36" y="connsiteY36"/>
+              </a:cxn>
+              <a:cxn ang="0">
+                <a:pos x="connsiteX37" y="connsiteY37"/>
+              </a:cxn>
+              <a:cxn ang="0">
+                <a:pos x="connsiteX38" y="connsiteY38"/>
+              </a:cxn>
+              <a:cxn ang="0">
+                <a:pos x="connsiteX39" y="connsiteY39"/>
+              </a:cxn>
+              <a:cxn ang="0">
+                <a:pos x="connsiteX40" y="connsiteY40"/>
+              </a:cxn>
+              <a:cxn ang="0">
+                <a:pos x="connsiteX41" y="connsiteY41"/>
+              </a:cxn>
+              <a:cxn ang="0">
+                <a:pos x="connsiteX42" y="connsiteY42"/>
+              </a:cxn>
+              <a:cxn ang="0">
+                <a:pos x="connsiteX43" y="connsiteY43"/>
+              </a:cxn>
+              <a:cxn ang="0">
+                <a:pos x="connsiteX44" y="connsiteY44"/>
+              </a:cxn>
+              <a:cxn ang="0">
+                <a:pos x="connsiteX45" y="connsiteY45"/>
+              </a:cxn>
+              <a:cxn ang="0">
+                <a:pos x="connsiteX46" y="connsiteY46"/>
+              </a:cxn>
+              <a:cxn ang="0">
+                <a:pos x="connsiteX47" y="connsiteY47"/>
+              </a:cxn>
+              <a:cxn ang="0">
+                <a:pos x="connsiteX48" y="connsiteY48"/>
+              </a:cxn>
+              <a:cxn ang="0">
+                <a:pos x="connsiteX49" y="connsiteY49"/>
+              </a:cxn>
+              <a:cxn ang="0">
+                <a:pos x="connsiteX50" y="connsiteY50"/>
+              </a:cxn>
+              <a:cxn ang="0">
+                <a:pos x="connsiteX51" y="connsiteY51"/>
+              </a:cxn>
+            </a:cxnLst>
+            <a:rect l="l" t="t" r="r" b="b"/>
+            <a:pathLst>
+              <a:path w="8030690" h="6858000">
+                <a:moveTo>
+                  <a:pt x="1176" y="0"/>
+                </a:moveTo>
+                <a:lnTo>
+                  <a:pt x="1344715" y="0"/>
+                </a:lnTo>
+                <a:lnTo>
+                  <a:pt x="1344715" y="0"/>
+                </a:lnTo>
+                <a:lnTo>
+                  <a:pt x="8030690" y="0"/>
+                </a:lnTo>
+                <a:lnTo>
+                  <a:pt x="8030690" y="6858000"/>
+                </a:lnTo>
+                <a:lnTo>
+                  <a:pt x="477746" y="6858000"/>
+                </a:lnTo>
+                <a:lnTo>
+                  <a:pt x="477746" y="6858000"/>
+                </a:lnTo>
+                <a:lnTo>
+                  <a:pt x="0" y="6858000"/>
+                </a:lnTo>
+                <a:lnTo>
+                  <a:pt x="5883" y="6817538"/>
+                </a:lnTo>
+                <a:lnTo>
+                  <a:pt x="23196" y="6698894"/>
+                </a:lnTo>
+                <a:lnTo>
+                  <a:pt x="35298" y="6612483"/>
+                </a:lnTo>
+                <a:lnTo>
+                  <a:pt x="48073" y="6509613"/>
+                </a:lnTo>
+                <a:lnTo>
+                  <a:pt x="63369" y="6387541"/>
+                </a:lnTo>
+                <a:lnTo>
+                  <a:pt x="79506" y="6252438"/>
+                </a:lnTo>
+                <a:lnTo>
+                  <a:pt x="96483" y="6100191"/>
+                </a:lnTo>
+                <a:lnTo>
+                  <a:pt x="114468" y="5934227"/>
+                </a:lnTo>
+                <a:lnTo>
+                  <a:pt x="132454" y="5753862"/>
+                </a:lnTo>
+                <a:lnTo>
+                  <a:pt x="150775" y="5561838"/>
+                </a:lnTo>
+                <a:lnTo>
+                  <a:pt x="167752" y="5354726"/>
+                </a:lnTo>
+                <a:lnTo>
+                  <a:pt x="184057" y="5138013"/>
+                </a:lnTo>
+                <a:lnTo>
+                  <a:pt x="198849" y="4908956"/>
+                </a:lnTo>
+                <a:lnTo>
+                  <a:pt x="212968" y="4670298"/>
+                </a:lnTo>
+                <a:lnTo>
+                  <a:pt x="226248" y="4421352"/>
+                </a:lnTo>
+                <a:lnTo>
+                  <a:pt x="230954" y="4293793"/>
+                </a:lnTo>
+                <a:lnTo>
+                  <a:pt x="236165" y="4163491"/>
+                </a:lnTo>
+                <a:lnTo>
+                  <a:pt x="241039" y="4031132"/>
+                </a:lnTo>
+                <a:lnTo>
+                  <a:pt x="244233" y="3898087"/>
+                </a:lnTo>
+                <a:lnTo>
+                  <a:pt x="247091" y="3762298"/>
+                </a:lnTo>
+                <a:lnTo>
+                  <a:pt x="250116" y="3625138"/>
+                </a:lnTo>
+                <a:lnTo>
+                  <a:pt x="252133" y="3485235"/>
+                </a:lnTo>
+                <a:lnTo>
+                  <a:pt x="252133" y="3343960"/>
+                </a:lnTo>
+                <a:lnTo>
+                  <a:pt x="253142" y="3201314"/>
+                </a:lnTo>
+                <a:lnTo>
+                  <a:pt x="252133" y="3057296"/>
+                </a:lnTo>
+                <a:lnTo>
+                  <a:pt x="250116" y="2911221"/>
+                </a:lnTo>
+                <a:lnTo>
+                  <a:pt x="248267" y="2765145"/>
+                </a:lnTo>
+                <a:lnTo>
+                  <a:pt x="244233" y="2617013"/>
+                </a:lnTo>
+                <a:lnTo>
+                  <a:pt x="240031" y="2467508"/>
+                </a:lnTo>
+                <a:lnTo>
+                  <a:pt x="235156" y="2318004"/>
+                </a:lnTo>
+                <a:lnTo>
+                  <a:pt x="228265" y="2167128"/>
+                </a:lnTo>
+                <a:lnTo>
+                  <a:pt x="220028" y="2014880"/>
+                </a:lnTo>
+                <a:lnTo>
+                  <a:pt x="212128" y="1861947"/>
+                </a:lnTo>
+                <a:lnTo>
+                  <a:pt x="202043" y="1709013"/>
+                </a:lnTo>
+                <a:lnTo>
+                  <a:pt x="189940" y="1554023"/>
+                </a:lnTo>
+                <a:lnTo>
+                  <a:pt x="177838" y="1401089"/>
+                </a:lnTo>
+                <a:lnTo>
+                  <a:pt x="163886" y="1245413"/>
+                </a:lnTo>
+                <a:lnTo>
+                  <a:pt x="148590" y="1089050"/>
+                </a:lnTo>
+                <a:lnTo>
+                  <a:pt x="132454" y="934745"/>
+                </a:lnTo>
+                <a:lnTo>
+                  <a:pt x="113628" y="778383"/>
+                </a:lnTo>
+                <a:lnTo>
+                  <a:pt x="93457" y="622706"/>
+                </a:lnTo>
+                <a:lnTo>
+                  <a:pt x="73454" y="466344"/>
+                </a:lnTo>
+                <a:lnTo>
+                  <a:pt x="50090" y="310667"/>
+                </a:lnTo>
+                <a:lnTo>
+                  <a:pt x="26222" y="155676"/>
+                </a:lnTo>
+                <a:close/>
+              </a:path>
+            </a:pathLst>
+          </a:custGeom>
+          <a:solidFill>
+            <a:schemeClr val="bg1"/>
+          </a:solidFill>
+          <a:ln>
+            <a:noFill/>
+          </a:ln>
+        </p:spPr>
+        <p:style>
+          <a:lnRef idx="2">
+            <a:schemeClr val="accent1">
+              <a:shade val="50000"/>
+            </a:schemeClr>
+          </a:lnRef>
+          <a:fillRef idx="1">
+            <a:schemeClr val="accent1"/>
+          </a:fillRef>
+          <a:effectRef idx="0">
+            <a:schemeClr val="accent1"/>
+          </a:effectRef>
+          <a:fontRef idx="minor">
+            <a:schemeClr val="lt1"/>
+          </a:fontRef>
+        </p:style>
+        <p:txBody>
+          <a:bodyPr wrap="square" rtlCol="0" anchor="ctr">
+            <a:noAutofit/>
+          </a:bodyPr>
+          <a:lstStyle/>
+          <a:p>
+            <a:pPr algn="ctr"/>
+            <a:endParaRPr lang="en-US"/>
+          </a:p>
+        </p:txBody>
+      </p:sp>
+      <p:sp>
+        <p:nvSpPr>
+          <p:cNvPr id="14" name="Freeform 11">
+            <a:extLst>
+              <a:ext uri="{FF2B5EF4-FFF2-40B4-BE49-F238E27FC236}">
+                <a16:creationId xmlns:a16="http://schemas.microsoft.com/office/drawing/2014/main" id="{BDC58DEA-1307-4F44-AD47-E613D8B76A89}"/>
+              </a:ext>
+              <a:ext uri="{C183D7F6-B498-43B3-948B-1728B52AA6E4}">
+                <adec:decorative xmlns:adec="http://schemas.microsoft.com/office/drawing/2017/decorative" val="1"/>
+              </a:ext>
+            </a:extLst>
+          </p:cNvPr>
+          <p:cNvSpPr>
+            <a:spLocks noGrp="1" noRot="1" noChangeAspect="1" noMove="1" noResize="1" noEditPoints="1" noAdjustHandles="1" noChangeArrowheads="1" noChangeShapeType="1" noTextEdit="1"/>
+          </p:cNvSpPr>
+          <p:nvPr>
+            <p:extLst>
+              <p:ext uri="{386F3935-93C4-4BCD-93E2-E3B085C9AB24}">
+                <p16:designElem xmlns:p16="http://schemas.microsoft.com/office/powerpoint/2015/main" val="1"/>
+              </p:ext>
+            </p:extLst>
+          </p:nvPr>
+        </p:nvSpPr>
+        <p:spPr>
+          <a:xfrm>
+            <a:off x="3948110" y="-1"/>
+            <a:ext cx="559472" cy="3709642"/>
+          </a:xfrm>
+          <a:custGeom>
+            <a:avLst/>
+            <a:gdLst>
+              <a:gd name="connsiteX0" fmla="*/ 0 w 559472"/>
+              <a:gd name="connsiteY0" fmla="*/ 0 h 3709642"/>
+              <a:gd name="connsiteX1" fmla="*/ 473952 w 559472"/>
+              <a:gd name="connsiteY1" fmla="*/ 0 h 3709642"/>
+              <a:gd name="connsiteX2" fmla="*/ 485840 w 559472"/>
+              <a:gd name="connsiteY2" fmla="*/ 161194 h 3709642"/>
+              <a:gd name="connsiteX3" fmla="*/ 523949 w 559472"/>
+              <a:gd name="connsiteY3" fmla="*/ 3672197 h 3709642"/>
+              <a:gd name="connsiteX4" fmla="*/ 454748 w 559472"/>
+              <a:gd name="connsiteY4" fmla="*/ 3709642 h 3709642"/>
+              <a:gd name="connsiteX5" fmla="*/ 448224 w 559472"/>
+              <a:gd name="connsiteY5" fmla="*/ 3510471 h 3709642"/>
+              <a:gd name="connsiteX6" fmla="*/ 443564 w 559472"/>
+              <a:gd name="connsiteY6" fmla="*/ 3408563 h 3709642"/>
+              <a:gd name="connsiteX7" fmla="*/ 438902 w 559472"/>
+              <a:gd name="connsiteY7" fmla="*/ 3304407 h 3709642"/>
+              <a:gd name="connsiteX8" fmla="*/ 433941 w 559472"/>
+              <a:gd name="connsiteY8" fmla="*/ 3198777 h 3709642"/>
+              <a:gd name="connsiteX9" fmla="*/ 427584 w 559472"/>
+              <a:gd name="connsiteY9" fmla="*/ 3092510 h 3709642"/>
+              <a:gd name="connsiteX10" fmla="*/ 420988 w 559472"/>
+              <a:gd name="connsiteY10" fmla="*/ 2984390 h 3709642"/>
+              <a:gd name="connsiteX11" fmla="*/ 414330 w 559472"/>
+              <a:gd name="connsiteY11" fmla="*/ 2874401 h 3709642"/>
+              <a:gd name="connsiteX12" fmla="*/ 406840 w 559472"/>
+              <a:gd name="connsiteY12" fmla="*/ 2762980 h 3709642"/>
+              <a:gd name="connsiteX13" fmla="*/ 397745 w 559472"/>
+              <a:gd name="connsiteY13" fmla="*/ 2650566 h 3709642"/>
+              <a:gd name="connsiteX14" fmla="*/ 389154 w 559472"/>
+              <a:gd name="connsiteY14" fmla="*/ 2536612 h 3709642"/>
+              <a:gd name="connsiteX15" fmla="*/ 379225 w 559472"/>
+              <a:gd name="connsiteY15" fmla="*/ 2421642 h 3709642"/>
+              <a:gd name="connsiteX16" fmla="*/ 368316 w 559472"/>
+              <a:gd name="connsiteY16" fmla="*/ 2305627 h 3709642"/>
+              <a:gd name="connsiteX17" fmla="*/ 357466 w 559472"/>
+              <a:gd name="connsiteY17" fmla="*/ 2189233 h 3709642"/>
+              <a:gd name="connsiteX18" fmla="*/ 344982 w 559472"/>
+              <a:gd name="connsiteY18" fmla="*/ 2071473 h 3709642"/>
+              <a:gd name="connsiteX19" fmla="*/ 332466 w 559472"/>
+              <a:gd name="connsiteY19" fmla="*/ 1952216 h 3709642"/>
+              <a:gd name="connsiteX20" fmla="*/ 319121 w 559472"/>
+              <a:gd name="connsiteY20" fmla="*/ 1833776 h 3709642"/>
+              <a:gd name="connsiteX21" fmla="*/ 304408 w 559472"/>
+              <a:gd name="connsiteY21" fmla="*/ 1713948 h 3709642"/>
+              <a:gd name="connsiteX22" fmla="*/ 288685 w 559472"/>
+              <a:gd name="connsiteY22" fmla="*/ 1592703 h 3709642"/>
+              <a:gd name="connsiteX23" fmla="*/ 273050 w 559472"/>
+              <a:gd name="connsiteY23" fmla="*/ 1471451 h 3709642"/>
+              <a:gd name="connsiteX24" fmla="*/ 255813 w 559472"/>
+              <a:gd name="connsiteY24" fmla="*/ 1350328 h 3709642"/>
+              <a:gd name="connsiteX25" fmla="*/ 237060 w 559472"/>
+              <a:gd name="connsiteY25" fmla="*/ 1227080 h 3709642"/>
+              <a:gd name="connsiteX26" fmla="*/ 218488 w 559472"/>
+              <a:gd name="connsiteY26" fmla="*/ 1106065 h 3709642"/>
+              <a:gd name="connsiteX27" fmla="*/ 198221 w 559472"/>
+              <a:gd name="connsiteY27" fmla="*/ 982940 h 3709642"/>
+              <a:gd name="connsiteX28" fmla="*/ 177152 w 559472"/>
+              <a:gd name="connsiteY28" fmla="*/ 858755 h 3709642"/>
+              <a:gd name="connsiteX29" fmla="*/ 155551 w 559472"/>
+              <a:gd name="connsiteY29" fmla="*/ 736861 h 3709642"/>
+              <a:gd name="connsiteX30" fmla="*/ 131782 w 559472"/>
+              <a:gd name="connsiteY30" fmla="*/ 613645 h 3709642"/>
+              <a:gd name="connsiteX31" fmla="*/ 107123 w 559472"/>
+              <a:gd name="connsiteY31" fmla="*/ 490500 h 3709642"/>
+              <a:gd name="connsiteX32" fmla="*/ 82552 w 559472"/>
+              <a:gd name="connsiteY32" fmla="*/ 367348 h 3709642"/>
+              <a:gd name="connsiteX33" fmla="*/ 55608 w 559472"/>
+              <a:gd name="connsiteY33" fmla="*/ 244762 h 3709642"/>
+              <a:gd name="connsiteX34" fmla="*/ 28130 w 559472"/>
+              <a:gd name="connsiteY34" fmla="*/ 122220 h 3709642"/>
+              <a:gd name="connsiteX35" fmla="*/ 0 w 559472"/>
+              <a:gd name="connsiteY35" fmla="*/ 0 h 3709642"/>
+            </a:gdLst>
+            <a:ahLst/>
+            <a:cxnLst>
+              <a:cxn ang="0">
+                <a:pos x="connsiteX0" y="connsiteY0"/>
+              </a:cxn>
+              <a:cxn ang="0">
+                <a:pos x="connsiteX1" y="connsiteY1"/>
+              </a:cxn>
+              <a:cxn ang="0">
+                <a:pos x="connsiteX2" y="connsiteY2"/>
+              </a:cxn>
+              <a:cxn ang="0">
+                <a:pos x="connsiteX3" y="connsiteY3"/>
+              </a:cxn>
+              <a:cxn ang="0">
+                <a:pos x="connsiteX4" y="connsiteY4"/>
+              </a:cxn>
+              <a:cxn ang="0">
+                <a:pos x="connsiteX5" y="connsiteY5"/>
+              </a:cxn>
+              <a:cxn ang="0">
+                <a:pos x="connsiteX6" y="connsiteY6"/>
+              </a:cxn>
+              <a:cxn ang="0">
+                <a:pos x="connsiteX7" y="connsiteY7"/>
+              </a:cxn>
+              <a:cxn ang="0">
+                <a:pos x="connsiteX8" y="connsiteY8"/>
+              </a:cxn>
+              <a:cxn ang="0">
+                <a:pos x="connsiteX9" y="connsiteY9"/>
+              </a:cxn>
+              <a:cxn ang="0">
+                <a:pos x="connsiteX10" y="connsiteY10"/>
+              </a:cxn>
+              <a:cxn ang="0">
+                <a:pos x="connsiteX11" y="connsiteY11"/>
+              </a:cxn>
+              <a:cxn ang="0">
+                <a:pos x="connsiteX12" y="connsiteY12"/>
+              </a:cxn>
+              <a:cxn ang="0">
+                <a:pos x="connsiteX13" y="connsiteY13"/>
+              </a:cxn>
+              <a:cxn ang="0">
+                <a:pos x="connsiteX14" y="connsiteY14"/>
+              </a:cxn>
+              <a:cxn ang="0">
+                <a:pos x="connsiteX15" y="connsiteY15"/>
+              </a:cxn>
+              <a:cxn ang="0">
+                <a:pos x="connsiteX16" y="connsiteY16"/>
+              </a:cxn>
+              <a:cxn ang="0">
+                <a:pos x="connsiteX17" y="connsiteY17"/>
+              </a:cxn>
+              <a:cxn ang="0">
+                <a:pos x="connsiteX18" y="connsiteY18"/>
+              </a:cxn>
+              <a:cxn ang="0">
+                <a:pos x="connsiteX19" y="connsiteY19"/>
+              </a:cxn>
+              <a:cxn ang="0">
+                <a:pos x="connsiteX20" y="connsiteY20"/>
+              </a:cxn>
+              <a:cxn ang="0">
+                <a:pos x="connsiteX21" y="connsiteY21"/>
+              </a:cxn>
+              <a:cxn ang="0">
+                <a:pos x="connsiteX22" y="connsiteY22"/>
+              </a:cxn>
+              <a:cxn ang="0">
+                <a:pos x="connsiteX23" y="connsiteY23"/>
+              </a:cxn>
+              <a:cxn ang="0">
+                <a:pos x="connsiteX24" y="connsiteY24"/>
+              </a:cxn>
+              <a:cxn ang="0">
+                <a:pos x="connsiteX25" y="connsiteY25"/>
+              </a:cxn>
+              <a:cxn ang="0">
+                <a:pos x="connsiteX26" y="connsiteY26"/>
+              </a:cxn>
+              <a:cxn ang="0">
+                <a:pos x="connsiteX27" y="connsiteY27"/>
+              </a:cxn>
+              <a:cxn ang="0">
+                <a:pos x="connsiteX28" y="connsiteY28"/>
+              </a:cxn>
+              <a:cxn ang="0">
+                <a:pos x="connsiteX29" y="connsiteY29"/>
+              </a:cxn>
+              <a:cxn ang="0">
+                <a:pos x="connsiteX30" y="connsiteY30"/>
+              </a:cxn>
+              <a:cxn ang="0">
+                <a:pos x="connsiteX31" y="connsiteY31"/>
+              </a:cxn>
+              <a:cxn ang="0">
+                <a:pos x="connsiteX32" y="connsiteY32"/>
+              </a:cxn>
+              <a:cxn ang="0">
+                <a:pos x="connsiteX33" y="connsiteY33"/>
+              </a:cxn>
+              <a:cxn ang="0">
+                <a:pos x="connsiteX34" y="connsiteY34"/>
+              </a:cxn>
+              <a:cxn ang="0">
+                <a:pos x="connsiteX35" y="connsiteY35"/>
+              </a:cxn>
+            </a:cxnLst>
+            <a:rect l="l" t="t" r="r" b="b"/>
+            <a:pathLst>
+              <a:path w="559472" h="3709642">
+                <a:moveTo>
+                  <a:pt x="0" y="0"/>
+                </a:moveTo>
+                <a:lnTo>
+                  <a:pt x="473952" y="0"/>
+                </a:lnTo>
+                <a:lnTo>
+                  <a:pt x="485840" y="161194"/>
+                </a:lnTo>
+                <a:cubicBezTo>
+                  <a:pt x="552063" y="1147770"/>
+                  <a:pt x="592441" y="3086737"/>
+                  <a:pt x="523949" y="3672197"/>
+                </a:cubicBezTo>
+                <a:cubicBezTo>
+                  <a:pt x="500842" y="3684557"/>
+                  <a:pt x="477855" y="3697282"/>
+                  <a:pt x="454748" y="3709642"/>
+                </a:cubicBezTo>
+                <a:lnTo>
+                  <a:pt x="448224" y="3510471"/>
+                </a:lnTo>
+                <a:lnTo>
+                  <a:pt x="443564" y="3408563"/>
+                </a:lnTo>
+                <a:lnTo>
+                  <a:pt x="438902" y="3304407"/>
+                </a:lnTo>
+                <a:lnTo>
+                  <a:pt x="433941" y="3198777"/>
+                </a:lnTo>
+                <a:lnTo>
+                  <a:pt x="427584" y="3092510"/>
+                </a:lnTo>
+                <a:lnTo>
+                  <a:pt x="420988" y="2984390"/>
+                </a:lnTo>
+                <a:lnTo>
+                  <a:pt x="414330" y="2874401"/>
+                </a:lnTo>
+                <a:lnTo>
+                  <a:pt x="406840" y="2762980"/>
+                </a:lnTo>
+                <a:lnTo>
+                  <a:pt x="397745" y="2650566"/>
+                </a:lnTo>
+                <a:lnTo>
+                  <a:pt x="389154" y="2536612"/>
+                </a:lnTo>
+                <a:lnTo>
+                  <a:pt x="379225" y="2421642"/>
+                </a:lnTo>
+                <a:lnTo>
+                  <a:pt x="368316" y="2305627"/>
+                </a:lnTo>
+                <a:lnTo>
+                  <a:pt x="357466" y="2189233"/>
+                </a:lnTo>
+                <a:lnTo>
+                  <a:pt x="344982" y="2071473"/>
+                </a:lnTo>
+                <a:lnTo>
+                  <a:pt x="332466" y="1952216"/>
+                </a:lnTo>
+                <a:lnTo>
+                  <a:pt x="319121" y="1833776"/>
+                </a:lnTo>
+                <a:lnTo>
+                  <a:pt x="304408" y="1713948"/>
+                </a:lnTo>
+                <a:lnTo>
+                  <a:pt x="288685" y="1592703"/>
+                </a:lnTo>
+                <a:lnTo>
+                  <a:pt x="273050" y="1471451"/>
+                </a:lnTo>
+                <a:lnTo>
+                  <a:pt x="255813" y="1350328"/>
+                </a:lnTo>
+                <a:lnTo>
+                  <a:pt x="237060" y="1227080"/>
+                </a:lnTo>
+                <a:lnTo>
+                  <a:pt x="218488" y="1106065"/>
+                </a:lnTo>
+                <a:lnTo>
+                  <a:pt x="198221" y="982940"/>
+                </a:lnTo>
+                <a:lnTo>
+                  <a:pt x="177152" y="858755"/>
+                </a:lnTo>
+                <a:lnTo>
+                  <a:pt x="155551" y="736861"/>
+                </a:lnTo>
+                <a:lnTo>
+                  <a:pt x="131782" y="613645"/>
+                </a:lnTo>
+                <a:lnTo>
+                  <a:pt x="107123" y="490500"/>
+                </a:lnTo>
+                <a:lnTo>
+                  <a:pt x="82552" y="367348"/>
+                </a:lnTo>
+                <a:lnTo>
+                  <a:pt x="55608" y="244762"/>
+                </a:lnTo>
+                <a:lnTo>
+                  <a:pt x="28130" y="122220"/>
+                </a:lnTo>
+                <a:lnTo>
+                  <a:pt x="0" y="0"/>
+                </a:lnTo>
+                <a:close/>
+              </a:path>
+            </a:pathLst>
+          </a:custGeom>
+          <a:solidFill>
+            <a:schemeClr val="bg1">
+              <a:alpha val="20000"/>
+            </a:schemeClr>
+          </a:solidFill>
+          <a:ln>
+            <a:noFill/>
+          </a:ln>
+        </p:spPr>
+        <p:txBody>
+          <a:bodyPr rtlCol="0" anchor="ctr"/>
+          <a:lstStyle/>
+          <a:p>
+            <a:pPr algn="ctr"/>
+            <a:endParaRPr lang="en-US"/>
+          </a:p>
+        </p:txBody>
+      </p:sp>
+      <p:sp>
+        <p:nvSpPr>
+          <p:cNvPr id="16" name="Rectangle 15">
+            <a:extLst>
+              <a:ext uri="{FF2B5EF4-FFF2-40B4-BE49-F238E27FC236}">
+                <a16:creationId xmlns:a16="http://schemas.microsoft.com/office/drawing/2014/main" id="{C99B912D-1E4B-42AF-A2BE-CFEFEC916EE7}"/>
+              </a:ext>
+              <a:ext uri="{C183D7F6-B498-43B3-948B-1728B52AA6E4}">
+                <adec:decorative xmlns:adec="http://schemas.microsoft.com/office/drawing/2017/decorative" val="1"/>
+              </a:ext>
+            </a:extLst>
+          </p:cNvPr>
+          <p:cNvSpPr>
+            <a:spLocks noGrp="1" noRot="1" noChangeAspect="1" noMove="1" noResize="1" noEditPoints="1" noAdjustHandles="1" noChangeArrowheads="1" noChangeShapeType="1" noTextEdit="1"/>
+          </p:cNvSpPr>
+          <p:nvPr>
+            <p:extLst>
+              <p:ext uri="{386F3935-93C4-4BCD-93E2-E3B085C9AB24}">
+                <p16:designElem xmlns:p16="http://schemas.microsoft.com/office/powerpoint/2015/main" val="1"/>
+              </p:ext>
+            </p:extLst>
+          </p:nvPr>
+        </p:nvSpPr>
+        <p:spPr>
+          <a:xfrm>
+            <a:off x="10437812" y="0"/>
+            <a:ext cx="685800" cy="1143000"/>
+          </a:xfrm>
+          <a:prstGeom prst="rect">
+            <a:avLst/>
+          </a:prstGeom>
+          <a:solidFill>
+            <a:schemeClr val="accent1"/>
+          </a:solidFill>
+          <a:ln>
+            <a:noFill/>
+          </a:ln>
+        </p:spPr>
+        <p:style>
+          <a:lnRef idx="1">
+            <a:schemeClr val="accent1"/>
+          </a:lnRef>
+          <a:fillRef idx="3">
+            <a:schemeClr val="accent1"/>
+          </a:fillRef>
+          <a:effectRef idx="2">
+            <a:schemeClr val="accent1"/>
+          </a:effectRef>
+          <a:fontRef idx="minor">
+            <a:schemeClr val="lt1"/>
+          </a:fontRef>
+        </p:style>
+      </p:sp>
+      <p:graphicFrame>
+        <p:nvGraphicFramePr>
+          <p:cNvPr id="5" name="Content Placeholder 2">
+            <a:extLst>
+              <a:ext uri="{FF2B5EF4-FFF2-40B4-BE49-F238E27FC236}">
+                <a16:creationId xmlns:a16="http://schemas.microsoft.com/office/drawing/2014/main" id="{8E52ADAC-BD8D-4A18-8472-BEB87A6D511E}"/>
+              </a:ext>
+            </a:extLst>
+          </p:cNvPr>
+          <p:cNvGraphicFramePr>
+            <a:graphicFrameLocks noGrp="1"/>
+          </p:cNvGraphicFramePr>
+          <p:nvPr>
+            <p:ph idx="1"/>
+            <p:extLst>
+              <p:ext uri="{D42A27DB-BD31-4B8C-83A1-F6EECF244321}">
+                <p14:modId xmlns:p14="http://schemas.microsoft.com/office/powerpoint/2010/main" val="2021799526"/>
+              </p:ext>
+            </p:extLst>
+          </p:nvPr>
+        </p:nvGraphicFramePr>
+        <p:xfrm>
+          <a:off x="5048250" y="1447800"/>
+          <a:ext cx="6496050" cy="4572000"/>
+        </p:xfrm>
+        <a:graphic>
+          <a:graphicData uri="http://schemas.openxmlformats.org/drawingml/2006/diagram">
+            <dgm:relIds xmlns:dgm="http://schemas.openxmlformats.org/drawingml/2006/diagram" xmlns:r="http://schemas.openxmlformats.org/officeDocument/2006/relationships" r:dm="rId2" r:lo="rId3" r:qs="rId4" r:cs="rId5"/>
+          </a:graphicData>
+        </a:graphic>
+      </p:graphicFrame>
+    </p:spTree>
+    <p:extLst>
+      <p:ext uri="{BB962C8B-B14F-4D97-AF65-F5344CB8AC3E}">
+        <p14:creationId xmlns:p14="http://schemas.microsoft.com/office/powerpoint/2010/main" val="3558900623"/>
+      </p:ext>
+    </p:extLst>
+  </p:cSld>
+  <p:clrMapOvr>
+    <a:overrideClrMapping bg1="lt1" tx1="dk1" bg2="lt2" tx2="dk2" accent1="accent1" accent2="accent2" accent3="accent3" accent4="accent4" accent5="accent5" accent6="accent6" hlink="hlink" folHlink="folHlink"/>
+  </p:clrMapOvr>
+</p:sld>
+</file>
+
 <file path=ppt/slides/slide22.xml><?xml version="1.0" encoding="utf-8"?>
 <p:sld xmlns:a="http://schemas.openxmlformats.org/drawingml/2006/main" xmlns:r="http://schemas.openxmlformats.org/officeDocument/2006/relationships" xmlns:p="http://schemas.openxmlformats.org/presentationml/2006/main">
   <p:cSld>
